--- a/doc/talks/2024-asd/img/spd-clim.pptx
+++ b/doc/talks/2024-asd/img/spd-clim.pptx
@@ -6,6 +6,13 @@
   </p:sldMasterIdLst>
   <p:sldIdLst>
     <p:sldId id="256" r:id="rId5"/>
+    <p:sldId id="259" r:id="rId6"/>
+    <p:sldId id="260" r:id="rId7"/>
+    <p:sldId id="258" r:id="rId8"/>
+    <p:sldId id="257" r:id="rId9"/>
+    <p:sldId id="261" r:id="rId10"/>
+    <p:sldId id="262" r:id="rId11"/>
+    <p:sldId id="263" r:id="rId12"/>
   </p:sldIdLst>
   <p:sldSz cx="12192000" cy="6858000"/>
   <p:notesSz cx="6858000" cy="9144000"/>
@@ -104,6 +111,11 @@
       </a:defRPr>
     </a:lvl9pPr>
   </p:defaultTextStyle>
+  <p:extLst>
+    <p:ext uri="{EFAFB233-063F-42B5-8137-9DF3F51BA10A}">
+      <p15:sldGuideLst xmlns:p15="http://schemas.microsoft.com/office/powerpoint/2012/main"/>
+    </p:ext>
+  </p:extLst>
 </p:presentation>
 </file>
 
@@ -256,7 +268,7 @@
           <a:p>
             <a:fld id="{42BA7E6A-926A-42EA-89C1-7DCF3E10241B}" type="datetimeFigureOut">
               <a:rPr lang="fr-FR" smtClean="0"/>
-              <a:t>15/12/2024</a:t>
+              <a:t>16/12/2024</a:t>
             </a:fld>
             <a:endParaRPr lang="fr-FR"/>
           </a:p>
@@ -456,7 +468,7 @@
           <a:p>
             <a:fld id="{42BA7E6A-926A-42EA-89C1-7DCF3E10241B}" type="datetimeFigureOut">
               <a:rPr lang="fr-FR" smtClean="0"/>
-              <a:t>15/12/2024</a:t>
+              <a:t>16/12/2024</a:t>
             </a:fld>
             <a:endParaRPr lang="fr-FR"/>
           </a:p>
@@ -666,7 +678,7 @@
           <a:p>
             <a:fld id="{42BA7E6A-926A-42EA-89C1-7DCF3E10241B}" type="datetimeFigureOut">
               <a:rPr lang="fr-FR" smtClean="0"/>
-              <a:t>15/12/2024</a:t>
+              <a:t>16/12/2024</a:t>
             </a:fld>
             <a:endParaRPr lang="fr-FR"/>
           </a:p>
@@ -866,7 +878,7 @@
           <a:p>
             <a:fld id="{42BA7E6A-926A-42EA-89C1-7DCF3E10241B}" type="datetimeFigureOut">
               <a:rPr lang="fr-FR" smtClean="0"/>
-              <a:t>15/12/2024</a:t>
+              <a:t>16/12/2024</a:t>
             </a:fld>
             <a:endParaRPr lang="fr-FR"/>
           </a:p>
@@ -1142,7 +1154,7 @@
           <a:p>
             <a:fld id="{42BA7E6A-926A-42EA-89C1-7DCF3E10241B}" type="datetimeFigureOut">
               <a:rPr lang="fr-FR" smtClean="0"/>
-              <a:t>15/12/2024</a:t>
+              <a:t>16/12/2024</a:t>
             </a:fld>
             <a:endParaRPr lang="fr-FR"/>
           </a:p>
@@ -1410,7 +1422,7 @@
           <a:p>
             <a:fld id="{42BA7E6A-926A-42EA-89C1-7DCF3E10241B}" type="datetimeFigureOut">
               <a:rPr lang="fr-FR" smtClean="0"/>
-              <a:t>15/12/2024</a:t>
+              <a:t>16/12/2024</a:t>
             </a:fld>
             <a:endParaRPr lang="fr-FR"/>
           </a:p>
@@ -1825,7 +1837,7 @@
           <a:p>
             <a:fld id="{42BA7E6A-926A-42EA-89C1-7DCF3E10241B}" type="datetimeFigureOut">
               <a:rPr lang="fr-FR" smtClean="0"/>
-              <a:t>15/12/2024</a:t>
+              <a:t>16/12/2024</a:t>
             </a:fld>
             <a:endParaRPr lang="fr-FR"/>
           </a:p>
@@ -1967,7 +1979,7 @@
           <a:p>
             <a:fld id="{42BA7E6A-926A-42EA-89C1-7DCF3E10241B}" type="datetimeFigureOut">
               <a:rPr lang="fr-FR" smtClean="0"/>
-              <a:t>15/12/2024</a:t>
+              <a:t>16/12/2024</a:t>
             </a:fld>
             <a:endParaRPr lang="fr-FR"/>
           </a:p>
@@ -2080,7 +2092,7 @@
           <a:p>
             <a:fld id="{42BA7E6A-926A-42EA-89C1-7DCF3E10241B}" type="datetimeFigureOut">
               <a:rPr lang="fr-FR" smtClean="0"/>
-              <a:t>15/12/2024</a:t>
+              <a:t>16/12/2024</a:t>
             </a:fld>
             <a:endParaRPr lang="fr-FR"/>
           </a:p>
@@ -2393,7 +2405,7 @@
           <a:p>
             <a:fld id="{42BA7E6A-926A-42EA-89C1-7DCF3E10241B}" type="datetimeFigureOut">
               <a:rPr lang="fr-FR" smtClean="0"/>
-              <a:t>15/12/2024</a:t>
+              <a:t>16/12/2024</a:t>
             </a:fld>
             <a:endParaRPr lang="fr-FR"/>
           </a:p>
@@ -2682,7 +2694,7 @@
           <a:p>
             <a:fld id="{42BA7E6A-926A-42EA-89C1-7DCF3E10241B}" type="datetimeFigureOut">
               <a:rPr lang="fr-FR" smtClean="0"/>
-              <a:t>15/12/2024</a:t>
+              <a:t>16/12/2024</a:t>
             </a:fld>
             <a:endParaRPr lang="fr-FR"/>
           </a:p>
@@ -2925,7 +2937,7 @@
           <a:p>
             <a:fld id="{42BA7E6A-926A-42EA-89C1-7DCF3E10241B}" type="datetimeFigureOut">
               <a:rPr lang="fr-FR" smtClean="0"/>
-              <a:t>15/12/2024</a:t>
+              <a:t>16/12/2024</a:t>
             </a:fld>
             <a:endParaRPr lang="fr-FR"/>
           </a:p>
@@ -3381,6 +3393,1875 @@
     <p:extLst>
       <p:ext uri="{BB962C8B-B14F-4D97-AF65-F5344CB8AC3E}">
         <p14:creationId xmlns:p14="http://schemas.microsoft.com/office/powerpoint/2010/main" val="3380957154"/>
+      </p:ext>
+    </p:extLst>
+  </p:cSld>
+  <p:clrMapOvr>
+    <a:masterClrMapping/>
+  </p:clrMapOvr>
+</p:sld>
+</file>
+
+<file path=ppt/slides/slide2.xml><?xml version="1.0" encoding="utf-8"?>
+<p:sld xmlns:a="http://schemas.openxmlformats.org/drawingml/2006/main" xmlns:r="http://schemas.openxmlformats.org/officeDocument/2006/relationships" xmlns:p="http://schemas.openxmlformats.org/presentationml/2006/main">
+  <p:cSld>
+    <p:spTree>
+      <p:nvGrpSpPr>
+        <p:cNvPr id="1" name="">
+          <a:extLst>
+            <a:ext uri="{FF2B5EF4-FFF2-40B4-BE49-F238E27FC236}">
+              <a16:creationId xmlns:a16="http://schemas.microsoft.com/office/drawing/2014/main" id="{C877746C-4B42-9F17-19BA-CFB1EF8BDB19}"/>
+            </a:ext>
+          </a:extLst>
+        </p:cNvPr>
+        <p:cNvGrpSpPr/>
+        <p:nvPr/>
+      </p:nvGrpSpPr>
+      <p:grpSpPr>
+        <a:xfrm>
+          <a:off x="0" y="0"/>
+          <a:ext cx="0" cy="0"/>
+          <a:chOff x="0" y="0"/>
+          <a:chExt cx="0" cy="0"/>
+        </a:xfrm>
+      </p:grpSpPr>
+      <p:pic>
+        <p:nvPicPr>
+          <p:cNvPr id="5" name="Picture 4" descr="A graph of a number of data&#10;&#10;Description automatically generated">
+            <a:extLst>
+              <a:ext uri="{FF2B5EF4-FFF2-40B4-BE49-F238E27FC236}">
+                <a16:creationId xmlns:a16="http://schemas.microsoft.com/office/drawing/2014/main" id="{7C910DD6-3575-FACE-93D4-8CA0D09C8837}"/>
+              </a:ext>
+            </a:extLst>
+          </p:cNvPr>
+          <p:cNvPicPr>
+            <a:picLocks noChangeAspect="1"/>
+          </p:cNvPicPr>
+          <p:nvPr/>
+        </p:nvPicPr>
+        <p:blipFill>
+          <a:blip r:embed="rId2">
+            <a:extLst>
+              <a:ext uri="{28A0092B-C50C-407E-A947-70E740481C1C}">
+                <a14:useLocalDpi xmlns:a14="http://schemas.microsoft.com/office/drawing/2010/main" val="0"/>
+              </a:ext>
+            </a:extLst>
+          </a:blip>
+          <a:srcRect t="12456"/>
+          <a:stretch/>
+        </p:blipFill>
+        <p:spPr>
+          <a:xfrm>
+            <a:off x="1346479" y="4462"/>
+            <a:ext cx="9455499" cy="6817679"/>
+          </a:xfrm>
+          <a:prstGeom prst="rect">
+            <a:avLst/>
+          </a:prstGeom>
+        </p:spPr>
+      </p:pic>
+      <p:sp>
+        <p:nvSpPr>
+          <p:cNvPr id="9" name="Rectangle 8">
+            <a:extLst>
+              <a:ext uri="{FF2B5EF4-FFF2-40B4-BE49-F238E27FC236}">
+                <a16:creationId xmlns:a16="http://schemas.microsoft.com/office/drawing/2014/main" id="{17338376-5673-6C7C-35BC-623E001F5AD1}"/>
+              </a:ext>
+            </a:extLst>
+          </p:cNvPr>
+          <p:cNvSpPr/>
+          <p:nvPr/>
+        </p:nvSpPr>
+        <p:spPr>
+          <a:xfrm>
+            <a:off x="2659380" y="4697730"/>
+            <a:ext cx="1127760" cy="495300"/>
+          </a:xfrm>
+          <a:prstGeom prst="rect">
+            <a:avLst/>
+          </a:prstGeom>
+          <a:noFill/>
+        </p:spPr>
+        <p:style>
+          <a:lnRef idx="2">
+            <a:schemeClr val="accent1">
+              <a:shade val="15000"/>
+            </a:schemeClr>
+          </a:lnRef>
+          <a:fillRef idx="1">
+            <a:schemeClr val="accent1"/>
+          </a:fillRef>
+          <a:effectRef idx="0">
+            <a:schemeClr val="accent1"/>
+          </a:effectRef>
+          <a:fontRef idx="minor">
+            <a:schemeClr val="lt1"/>
+          </a:fontRef>
+        </p:style>
+        <p:txBody>
+          <a:bodyPr rtlCol="0" anchor="ctr"/>
+          <a:lstStyle/>
+          <a:p>
+            <a:pPr algn="ctr"/>
+            <a:endParaRPr lang="fr-FR"/>
+          </a:p>
+        </p:txBody>
+      </p:sp>
+      <p:pic>
+        <p:nvPicPr>
+          <p:cNvPr id="15" name="Picture 14">
+            <a:extLst>
+              <a:ext uri="{FF2B5EF4-FFF2-40B4-BE49-F238E27FC236}">
+                <a16:creationId xmlns:a16="http://schemas.microsoft.com/office/drawing/2014/main" id="{7BBF3B8C-A845-7479-DE9D-6FCD0992416B}"/>
+              </a:ext>
+            </a:extLst>
+          </p:cNvPr>
+          <p:cNvPicPr>
+            <a:picLocks noChangeAspect="1"/>
+          </p:cNvPicPr>
+          <p:nvPr/>
+        </p:nvPicPr>
+        <p:blipFill>
+          <a:blip r:embed="rId3"/>
+          <a:stretch>
+            <a:fillRect/>
+          </a:stretch>
+        </p:blipFill>
+        <p:spPr>
+          <a:xfrm>
+            <a:off x="3883221" y="382672"/>
+            <a:ext cx="1743318" cy="3334215"/>
+          </a:xfrm>
+          <a:prstGeom prst="rect">
+            <a:avLst/>
+          </a:prstGeom>
+          <a:ln>
+            <a:noFill/>
+          </a:ln>
+          <a:effectLst>
+            <a:outerShdw blurRad="292100" dist="139700" dir="2700000" algn="tl" rotWithShape="0">
+              <a:srgbClr val="333333">
+                <a:alpha val="65000"/>
+              </a:srgbClr>
+            </a:outerShdw>
+          </a:effectLst>
+        </p:spPr>
+      </p:pic>
+      <p:pic>
+        <p:nvPicPr>
+          <p:cNvPr id="17" name="Picture 16">
+            <a:extLst>
+              <a:ext uri="{FF2B5EF4-FFF2-40B4-BE49-F238E27FC236}">
+                <a16:creationId xmlns:a16="http://schemas.microsoft.com/office/drawing/2014/main" id="{16B63357-E175-9475-FE77-E310DD6A4DA5}"/>
+              </a:ext>
+            </a:extLst>
+          </p:cNvPr>
+          <p:cNvPicPr>
+            <a:picLocks noChangeAspect="1"/>
+          </p:cNvPicPr>
+          <p:nvPr/>
+        </p:nvPicPr>
+        <p:blipFill>
+          <a:blip r:embed="rId4"/>
+          <a:stretch>
+            <a:fillRect/>
+          </a:stretch>
+        </p:blipFill>
+        <p:spPr>
+          <a:xfrm>
+            <a:off x="5679514" y="773251"/>
+            <a:ext cx="1771897" cy="2943636"/>
+          </a:xfrm>
+          <a:prstGeom prst="rect">
+            <a:avLst/>
+          </a:prstGeom>
+          <a:ln>
+            <a:noFill/>
+          </a:ln>
+          <a:effectLst>
+            <a:outerShdw blurRad="292100" dist="139700" dir="2700000" algn="tl" rotWithShape="0">
+              <a:srgbClr val="333333">
+                <a:alpha val="65000"/>
+              </a:srgbClr>
+            </a:outerShdw>
+          </a:effectLst>
+        </p:spPr>
+      </p:pic>
+      <p:cxnSp>
+        <p:nvCxnSpPr>
+          <p:cNvPr id="18" name="Straight Arrow Connector 17">
+            <a:extLst>
+              <a:ext uri="{FF2B5EF4-FFF2-40B4-BE49-F238E27FC236}">
+                <a16:creationId xmlns:a16="http://schemas.microsoft.com/office/drawing/2014/main" id="{8F54E48F-8375-7DDA-1715-775B565386C5}"/>
+              </a:ext>
+            </a:extLst>
+          </p:cNvPr>
+          <p:cNvCxnSpPr>
+            <a:cxnSpLocks/>
+            <a:stCxn id="15" idx="2"/>
+            <a:endCxn id="9" idx="0"/>
+          </p:cNvCxnSpPr>
+          <p:nvPr/>
+        </p:nvCxnSpPr>
+        <p:spPr>
+          <a:xfrm flipH="1">
+            <a:off x="3223260" y="3716887"/>
+            <a:ext cx="1531620" cy="980843"/>
+          </a:xfrm>
+          <a:prstGeom prst="straightConnector1">
+            <a:avLst/>
+          </a:prstGeom>
+          <a:ln>
+            <a:tailEnd type="triangle"/>
+          </a:ln>
+        </p:spPr>
+        <p:style>
+          <a:lnRef idx="2">
+            <a:schemeClr val="accent1"/>
+          </a:lnRef>
+          <a:fillRef idx="0">
+            <a:schemeClr val="accent1"/>
+          </a:fillRef>
+          <a:effectRef idx="1">
+            <a:schemeClr val="accent1"/>
+          </a:effectRef>
+          <a:fontRef idx="minor">
+            <a:schemeClr val="tx1"/>
+          </a:fontRef>
+        </p:style>
+      </p:cxnSp>
+      <p:sp>
+        <p:nvSpPr>
+          <p:cNvPr id="21" name="TextBox 20">
+            <a:extLst>
+              <a:ext uri="{FF2B5EF4-FFF2-40B4-BE49-F238E27FC236}">
+                <a16:creationId xmlns:a16="http://schemas.microsoft.com/office/drawing/2014/main" id="{4FF718F4-0D49-6D43-3547-BB438AFBC019}"/>
+              </a:ext>
+            </a:extLst>
+          </p:cNvPr>
+          <p:cNvSpPr txBox="1"/>
+          <p:nvPr/>
+        </p:nvSpPr>
+        <p:spPr>
+          <a:xfrm>
+            <a:off x="5632268" y="382672"/>
+            <a:ext cx="2086792" cy="369332"/>
+          </a:xfrm>
+          <a:prstGeom prst="rect">
+            <a:avLst/>
+          </a:prstGeom>
+          <a:noFill/>
+        </p:spPr>
+        <p:txBody>
+          <a:bodyPr wrap="square">
+            <a:spAutoFit/>
+          </a:bodyPr>
+          <a:lstStyle/>
+          <a:p>
+            <a:r>
+              <a:rPr lang="fr-FR" b="0" i="0" dirty="0" err="1">
+                <a:solidFill>
+                  <a:srgbClr val="333333"/>
+                </a:solidFill>
+                <a:effectLst/>
+                <a:latin typeface="Source Sans Pro" panose="020B0503030403020204" pitchFamily="34" charset="0"/>
+              </a:rPr>
+              <a:t>BSk</a:t>
+            </a:r>
+            <a:r>
+              <a:rPr lang="fr-FR" b="0" i="0" dirty="0">
+                <a:solidFill>
+                  <a:srgbClr val="333333"/>
+                </a:solidFill>
+                <a:effectLst/>
+                <a:latin typeface="Source Sans Pro" panose="020B0503030403020204" pitchFamily="34" charset="0"/>
+              </a:rPr>
+              <a:t>, Csa and </a:t>
+            </a:r>
+            <a:r>
+              <a:rPr lang="fr-FR" b="0" i="0" dirty="0" err="1">
+                <a:solidFill>
+                  <a:srgbClr val="333333"/>
+                </a:solidFill>
+                <a:effectLst/>
+                <a:latin typeface="Source Sans Pro" panose="020B0503030403020204" pitchFamily="34" charset="0"/>
+              </a:rPr>
+              <a:t>Dsa</a:t>
+            </a:r>
+            <a:endParaRPr lang="fr-FR" dirty="0"/>
+          </a:p>
+        </p:txBody>
+      </p:sp>
+    </p:spTree>
+    <p:extLst>
+      <p:ext uri="{BB962C8B-B14F-4D97-AF65-F5344CB8AC3E}">
+        <p14:creationId xmlns:p14="http://schemas.microsoft.com/office/powerpoint/2010/main" val="2738759762"/>
+      </p:ext>
+    </p:extLst>
+  </p:cSld>
+  <p:clrMapOvr>
+    <a:masterClrMapping/>
+  </p:clrMapOvr>
+</p:sld>
+</file>
+
+<file path=ppt/slides/slide3.xml><?xml version="1.0" encoding="utf-8"?>
+<p:sld xmlns:a="http://schemas.openxmlformats.org/drawingml/2006/main" xmlns:r="http://schemas.openxmlformats.org/officeDocument/2006/relationships" xmlns:p="http://schemas.openxmlformats.org/presentationml/2006/main">
+  <p:cSld>
+    <p:spTree>
+      <p:nvGrpSpPr>
+        <p:cNvPr id="1" name="">
+          <a:extLst>
+            <a:ext uri="{FF2B5EF4-FFF2-40B4-BE49-F238E27FC236}">
+              <a16:creationId xmlns:a16="http://schemas.microsoft.com/office/drawing/2014/main" id="{B82D2C0F-8DF0-535A-462F-826EC6DCFD2F}"/>
+            </a:ext>
+          </a:extLst>
+        </p:cNvPr>
+        <p:cNvGrpSpPr/>
+        <p:nvPr/>
+      </p:nvGrpSpPr>
+      <p:grpSpPr>
+        <a:xfrm>
+          <a:off x="0" y="0"/>
+          <a:ext cx="0" cy="0"/>
+          <a:chOff x="0" y="0"/>
+          <a:chExt cx="0" cy="0"/>
+        </a:xfrm>
+      </p:grpSpPr>
+      <p:pic>
+        <p:nvPicPr>
+          <p:cNvPr id="5" name="Picture 4" descr="A graph of a number of data&#10;&#10;Description automatically generated">
+            <a:extLst>
+              <a:ext uri="{FF2B5EF4-FFF2-40B4-BE49-F238E27FC236}">
+                <a16:creationId xmlns:a16="http://schemas.microsoft.com/office/drawing/2014/main" id="{A596A813-DF38-B47D-41C4-8C8F27C89A01}"/>
+              </a:ext>
+            </a:extLst>
+          </p:cNvPr>
+          <p:cNvPicPr>
+            <a:picLocks noChangeAspect="1"/>
+          </p:cNvPicPr>
+          <p:nvPr/>
+        </p:nvPicPr>
+        <p:blipFill>
+          <a:blip r:embed="rId2">
+            <a:extLst>
+              <a:ext uri="{28A0092B-C50C-407E-A947-70E740481C1C}">
+                <a14:useLocalDpi xmlns:a14="http://schemas.microsoft.com/office/drawing/2010/main" val="0"/>
+              </a:ext>
+            </a:extLst>
+          </a:blip>
+          <a:srcRect t="12456"/>
+          <a:stretch/>
+        </p:blipFill>
+        <p:spPr>
+          <a:xfrm>
+            <a:off x="1346479" y="4462"/>
+            <a:ext cx="9455499" cy="6817679"/>
+          </a:xfrm>
+          <a:prstGeom prst="rect">
+            <a:avLst/>
+          </a:prstGeom>
+        </p:spPr>
+      </p:pic>
+      <p:sp>
+        <p:nvSpPr>
+          <p:cNvPr id="6" name="Rectangle 5">
+            <a:extLst>
+              <a:ext uri="{FF2B5EF4-FFF2-40B4-BE49-F238E27FC236}">
+                <a16:creationId xmlns:a16="http://schemas.microsoft.com/office/drawing/2014/main" id="{95B67A7F-2717-399B-2786-45F80C352126}"/>
+              </a:ext>
+            </a:extLst>
+          </p:cNvPr>
+          <p:cNvSpPr/>
+          <p:nvPr/>
+        </p:nvSpPr>
+        <p:spPr>
+          <a:xfrm>
+            <a:off x="4282440" y="5074920"/>
+            <a:ext cx="1813560" cy="220980"/>
+          </a:xfrm>
+          <a:prstGeom prst="rect">
+            <a:avLst/>
+          </a:prstGeom>
+          <a:noFill/>
+        </p:spPr>
+        <p:style>
+          <a:lnRef idx="2">
+            <a:schemeClr val="accent1">
+              <a:shade val="15000"/>
+            </a:schemeClr>
+          </a:lnRef>
+          <a:fillRef idx="1">
+            <a:schemeClr val="accent1"/>
+          </a:fillRef>
+          <a:effectRef idx="0">
+            <a:schemeClr val="accent1"/>
+          </a:effectRef>
+          <a:fontRef idx="minor">
+            <a:schemeClr val="lt1"/>
+          </a:fontRef>
+        </p:style>
+        <p:txBody>
+          <a:bodyPr rtlCol="0" anchor="ctr"/>
+          <a:lstStyle/>
+          <a:p>
+            <a:pPr algn="ctr"/>
+            <a:endParaRPr lang="fr-FR"/>
+          </a:p>
+        </p:txBody>
+      </p:sp>
+      <p:pic>
+        <p:nvPicPr>
+          <p:cNvPr id="8" name="Picture 7">
+            <a:extLst>
+              <a:ext uri="{FF2B5EF4-FFF2-40B4-BE49-F238E27FC236}">
+                <a16:creationId xmlns:a16="http://schemas.microsoft.com/office/drawing/2014/main" id="{868A53D5-7743-A449-4448-3D7B2E69B6DC}"/>
+              </a:ext>
+            </a:extLst>
+          </p:cNvPr>
+          <p:cNvPicPr>
+            <a:picLocks noChangeAspect="1"/>
+          </p:cNvPicPr>
+          <p:nvPr/>
+        </p:nvPicPr>
+        <p:blipFill>
+          <a:blip r:embed="rId3"/>
+          <a:stretch>
+            <a:fillRect/>
+          </a:stretch>
+        </p:blipFill>
+        <p:spPr>
+          <a:xfrm>
+            <a:off x="4161321" y="1260884"/>
+            <a:ext cx="2057687" cy="3238952"/>
+          </a:xfrm>
+          <a:prstGeom prst="rect">
+            <a:avLst/>
+          </a:prstGeom>
+          <a:ln>
+            <a:noFill/>
+          </a:ln>
+          <a:effectLst>
+            <a:outerShdw blurRad="292100" dist="139700" dir="2700000" algn="tl" rotWithShape="0">
+              <a:srgbClr val="333333">
+                <a:alpha val="65000"/>
+              </a:srgbClr>
+            </a:outerShdw>
+          </a:effectLst>
+        </p:spPr>
+      </p:pic>
+      <p:cxnSp>
+        <p:nvCxnSpPr>
+          <p:cNvPr id="9" name="Straight Arrow Connector 8">
+            <a:extLst>
+              <a:ext uri="{FF2B5EF4-FFF2-40B4-BE49-F238E27FC236}">
+                <a16:creationId xmlns:a16="http://schemas.microsoft.com/office/drawing/2014/main" id="{91D924CD-E7CE-13F9-25A8-BEE2B766191B}"/>
+              </a:ext>
+            </a:extLst>
+          </p:cNvPr>
+          <p:cNvCxnSpPr>
+            <a:cxnSpLocks/>
+            <a:stCxn id="8" idx="2"/>
+            <a:endCxn id="6" idx="0"/>
+          </p:cNvCxnSpPr>
+          <p:nvPr/>
+        </p:nvCxnSpPr>
+        <p:spPr>
+          <a:xfrm flipH="1">
+            <a:off x="5189220" y="4499836"/>
+            <a:ext cx="945" cy="575084"/>
+          </a:xfrm>
+          <a:prstGeom prst="straightConnector1">
+            <a:avLst/>
+          </a:prstGeom>
+          <a:ln>
+            <a:tailEnd type="triangle"/>
+          </a:ln>
+        </p:spPr>
+        <p:style>
+          <a:lnRef idx="2">
+            <a:schemeClr val="accent1"/>
+          </a:lnRef>
+          <a:fillRef idx="0">
+            <a:schemeClr val="accent1"/>
+          </a:fillRef>
+          <a:effectRef idx="1">
+            <a:schemeClr val="accent1"/>
+          </a:effectRef>
+          <a:fontRef idx="minor">
+            <a:schemeClr val="tx1"/>
+          </a:fontRef>
+        </p:style>
+      </p:cxnSp>
+      <p:sp>
+        <p:nvSpPr>
+          <p:cNvPr id="14" name="TextBox 13">
+            <a:extLst>
+              <a:ext uri="{FF2B5EF4-FFF2-40B4-BE49-F238E27FC236}">
+                <a16:creationId xmlns:a16="http://schemas.microsoft.com/office/drawing/2014/main" id="{84EDAE11-5EC1-AE16-2CA1-284781845A65}"/>
+              </a:ext>
+            </a:extLst>
+          </p:cNvPr>
+          <p:cNvSpPr txBox="1"/>
+          <p:nvPr/>
+        </p:nvSpPr>
+        <p:spPr>
+          <a:xfrm>
+            <a:off x="4091940" y="891552"/>
+            <a:ext cx="6096000" cy="369332"/>
+          </a:xfrm>
+          <a:prstGeom prst="rect">
+            <a:avLst/>
+          </a:prstGeom>
+          <a:noFill/>
+        </p:spPr>
+        <p:txBody>
+          <a:bodyPr wrap="square">
+            <a:spAutoFit/>
+          </a:bodyPr>
+          <a:lstStyle/>
+          <a:p>
+            <a:r>
+              <a:rPr lang="fr-FR" b="0" i="0" dirty="0" err="1">
+                <a:solidFill>
+                  <a:srgbClr val="333333"/>
+                </a:solidFill>
+                <a:effectLst/>
+                <a:latin typeface="Source Sans Pro" panose="020B0503030403020204" pitchFamily="34" charset="0"/>
+              </a:rPr>
+              <a:t>BWh</a:t>
+            </a:r>
+            <a:endParaRPr lang="fr-FR" dirty="0"/>
+          </a:p>
+        </p:txBody>
+      </p:sp>
+    </p:spTree>
+    <p:extLst>
+      <p:ext uri="{BB962C8B-B14F-4D97-AF65-F5344CB8AC3E}">
+        <p14:creationId xmlns:p14="http://schemas.microsoft.com/office/powerpoint/2010/main" val="2601866611"/>
+      </p:ext>
+    </p:extLst>
+  </p:cSld>
+  <p:clrMapOvr>
+    <a:masterClrMapping/>
+  </p:clrMapOvr>
+</p:sld>
+</file>
+
+<file path=ppt/slides/slide4.xml><?xml version="1.0" encoding="utf-8"?>
+<p:sld xmlns:a="http://schemas.openxmlformats.org/drawingml/2006/main" xmlns:r="http://schemas.openxmlformats.org/officeDocument/2006/relationships" xmlns:p="http://schemas.openxmlformats.org/presentationml/2006/main">
+  <p:cSld>
+    <p:spTree>
+      <p:nvGrpSpPr>
+        <p:cNvPr id="1" name="">
+          <a:extLst>
+            <a:ext uri="{FF2B5EF4-FFF2-40B4-BE49-F238E27FC236}">
+              <a16:creationId xmlns:a16="http://schemas.microsoft.com/office/drawing/2014/main" id="{09BF26F8-8FE2-747E-A79F-2A635CAE9FDB}"/>
+            </a:ext>
+          </a:extLst>
+        </p:cNvPr>
+        <p:cNvGrpSpPr/>
+        <p:nvPr/>
+      </p:nvGrpSpPr>
+      <p:grpSpPr>
+        <a:xfrm>
+          <a:off x="0" y="0"/>
+          <a:ext cx="0" cy="0"/>
+          <a:chOff x="0" y="0"/>
+          <a:chExt cx="0" cy="0"/>
+        </a:xfrm>
+      </p:grpSpPr>
+      <p:pic>
+        <p:nvPicPr>
+          <p:cNvPr id="5" name="Picture 4" descr="A graph of a number of data&#10;&#10;Description automatically generated">
+            <a:extLst>
+              <a:ext uri="{FF2B5EF4-FFF2-40B4-BE49-F238E27FC236}">
+                <a16:creationId xmlns:a16="http://schemas.microsoft.com/office/drawing/2014/main" id="{75BB312F-B71F-1699-43E7-694A6FC7F4DE}"/>
+              </a:ext>
+            </a:extLst>
+          </p:cNvPr>
+          <p:cNvPicPr>
+            <a:picLocks noChangeAspect="1"/>
+          </p:cNvPicPr>
+          <p:nvPr/>
+        </p:nvPicPr>
+        <p:blipFill>
+          <a:blip r:embed="rId2">
+            <a:extLst>
+              <a:ext uri="{28A0092B-C50C-407E-A947-70E740481C1C}">
+                <a14:useLocalDpi xmlns:a14="http://schemas.microsoft.com/office/drawing/2010/main" val="0"/>
+              </a:ext>
+            </a:extLst>
+          </a:blip>
+          <a:srcRect t="12456"/>
+          <a:stretch/>
+        </p:blipFill>
+        <p:spPr>
+          <a:xfrm>
+            <a:off x="1346479" y="4462"/>
+            <a:ext cx="9455499" cy="6817679"/>
+          </a:xfrm>
+          <a:prstGeom prst="rect">
+            <a:avLst/>
+          </a:prstGeom>
+        </p:spPr>
+      </p:pic>
+      <p:sp>
+        <p:nvSpPr>
+          <p:cNvPr id="6" name="TextBox 5">
+            <a:extLst>
+              <a:ext uri="{FF2B5EF4-FFF2-40B4-BE49-F238E27FC236}">
+                <a16:creationId xmlns:a16="http://schemas.microsoft.com/office/drawing/2014/main" id="{AD4FFC2D-53D0-82BF-5218-E7117CAD4CA0}"/>
+              </a:ext>
+            </a:extLst>
+          </p:cNvPr>
+          <p:cNvSpPr txBox="1"/>
+          <p:nvPr/>
+        </p:nvSpPr>
+        <p:spPr>
+          <a:xfrm>
+            <a:off x="4983480" y="3036877"/>
+            <a:ext cx="883920" cy="369332"/>
+          </a:xfrm>
+          <a:prstGeom prst="rect">
+            <a:avLst/>
+          </a:prstGeom>
+          <a:noFill/>
+        </p:spPr>
+        <p:txBody>
+          <a:bodyPr wrap="square">
+            <a:spAutoFit/>
+          </a:bodyPr>
+          <a:lstStyle/>
+          <a:p>
+            <a:r>
+              <a:rPr lang="fr-FR" b="0" i="0" dirty="0" err="1">
+                <a:solidFill>
+                  <a:srgbClr val="333333"/>
+                </a:solidFill>
+                <a:effectLst/>
+                <a:latin typeface="Source Sans Pro" panose="020B0503030403020204" pitchFamily="34" charset="0"/>
+              </a:rPr>
+              <a:t>BWk</a:t>
+            </a:r>
+            <a:endParaRPr lang="fr-FR" dirty="0"/>
+          </a:p>
+        </p:txBody>
+      </p:sp>
+      <p:sp>
+        <p:nvSpPr>
+          <p:cNvPr id="2" name="Rectangle 1">
+            <a:extLst>
+              <a:ext uri="{FF2B5EF4-FFF2-40B4-BE49-F238E27FC236}">
+                <a16:creationId xmlns:a16="http://schemas.microsoft.com/office/drawing/2014/main" id="{73DF5DB1-0982-A76C-9993-9CFF7FF45FD9}"/>
+              </a:ext>
+            </a:extLst>
+          </p:cNvPr>
+          <p:cNvSpPr/>
+          <p:nvPr/>
+        </p:nvSpPr>
+        <p:spPr>
+          <a:xfrm>
+            <a:off x="5783580" y="4697730"/>
+            <a:ext cx="480060" cy="495300"/>
+          </a:xfrm>
+          <a:prstGeom prst="rect">
+            <a:avLst/>
+          </a:prstGeom>
+          <a:noFill/>
+        </p:spPr>
+        <p:style>
+          <a:lnRef idx="2">
+            <a:schemeClr val="accent1">
+              <a:shade val="15000"/>
+            </a:schemeClr>
+          </a:lnRef>
+          <a:fillRef idx="1">
+            <a:schemeClr val="accent1"/>
+          </a:fillRef>
+          <a:effectRef idx="0">
+            <a:schemeClr val="accent1"/>
+          </a:effectRef>
+          <a:fontRef idx="minor">
+            <a:schemeClr val="lt1"/>
+          </a:fontRef>
+        </p:style>
+        <p:txBody>
+          <a:bodyPr rtlCol="0" anchor="ctr"/>
+          <a:lstStyle/>
+          <a:p>
+            <a:pPr algn="ctr"/>
+            <a:endParaRPr lang="fr-FR"/>
+          </a:p>
+        </p:txBody>
+      </p:sp>
+      <p:cxnSp>
+        <p:nvCxnSpPr>
+          <p:cNvPr id="4" name="Straight Arrow Connector 3">
+            <a:extLst>
+              <a:ext uri="{FF2B5EF4-FFF2-40B4-BE49-F238E27FC236}">
+                <a16:creationId xmlns:a16="http://schemas.microsoft.com/office/drawing/2014/main" id="{675E7F02-F809-EDDD-03CB-9411A2DF7298}"/>
+              </a:ext>
+            </a:extLst>
+          </p:cNvPr>
+          <p:cNvCxnSpPr>
+            <a:cxnSpLocks/>
+            <a:stCxn id="3" idx="2"/>
+            <a:endCxn id="2" idx="0"/>
+          </p:cNvCxnSpPr>
+          <p:nvPr/>
+        </p:nvCxnSpPr>
+        <p:spPr>
+          <a:xfrm flipH="1">
+            <a:off x="6023610" y="4442529"/>
+            <a:ext cx="3810" cy="255201"/>
+          </a:xfrm>
+          <a:prstGeom prst="straightConnector1">
+            <a:avLst/>
+          </a:prstGeom>
+          <a:ln>
+            <a:tailEnd type="triangle"/>
+          </a:ln>
+        </p:spPr>
+        <p:style>
+          <a:lnRef idx="2">
+            <a:schemeClr val="accent1"/>
+          </a:lnRef>
+          <a:fillRef idx="0">
+            <a:schemeClr val="accent1"/>
+          </a:fillRef>
+          <a:effectRef idx="1">
+            <a:schemeClr val="accent1"/>
+          </a:effectRef>
+          <a:fontRef idx="minor">
+            <a:schemeClr val="tx1"/>
+          </a:fontRef>
+        </p:style>
+      </p:cxnSp>
+      <p:pic>
+        <p:nvPicPr>
+          <p:cNvPr id="13" name="Picture 12">
+            <a:extLst>
+              <a:ext uri="{FF2B5EF4-FFF2-40B4-BE49-F238E27FC236}">
+                <a16:creationId xmlns:a16="http://schemas.microsoft.com/office/drawing/2014/main" id="{E6864E99-C1DB-F165-A51E-0DC939CA82ED}"/>
+              </a:ext>
+            </a:extLst>
+          </p:cNvPr>
+          <p:cNvPicPr>
+            <a:picLocks noChangeAspect="1"/>
+          </p:cNvPicPr>
+          <p:nvPr/>
+        </p:nvPicPr>
+        <p:blipFill>
+          <a:blip r:embed="rId3"/>
+          <a:stretch>
+            <a:fillRect/>
+          </a:stretch>
+        </p:blipFill>
+        <p:spPr>
+          <a:xfrm>
+            <a:off x="4641524" y="1070100"/>
+            <a:ext cx="2057687" cy="1743318"/>
+          </a:xfrm>
+          <a:prstGeom prst="rect">
+            <a:avLst/>
+          </a:prstGeom>
+        </p:spPr>
+      </p:pic>
+      <p:sp>
+        <p:nvSpPr>
+          <p:cNvPr id="14" name="Rectangle 13">
+            <a:extLst>
+              <a:ext uri="{FF2B5EF4-FFF2-40B4-BE49-F238E27FC236}">
+                <a16:creationId xmlns:a16="http://schemas.microsoft.com/office/drawing/2014/main" id="{FA873B58-5BDC-3C94-F3E7-5317E69AF608}"/>
+              </a:ext>
+            </a:extLst>
+          </p:cNvPr>
+          <p:cNvSpPr/>
+          <p:nvPr/>
+        </p:nvSpPr>
+        <p:spPr>
+          <a:xfrm>
+            <a:off x="5425440" y="4697730"/>
+            <a:ext cx="480060" cy="495300"/>
+          </a:xfrm>
+          <a:prstGeom prst="rect">
+            <a:avLst/>
+          </a:prstGeom>
+          <a:noFill/>
+        </p:spPr>
+        <p:style>
+          <a:lnRef idx="2">
+            <a:schemeClr val="accent1">
+              <a:shade val="15000"/>
+            </a:schemeClr>
+          </a:lnRef>
+          <a:fillRef idx="1">
+            <a:schemeClr val="accent1"/>
+          </a:fillRef>
+          <a:effectRef idx="0">
+            <a:schemeClr val="accent1"/>
+          </a:effectRef>
+          <a:fontRef idx="minor">
+            <a:schemeClr val="lt1"/>
+          </a:fontRef>
+        </p:style>
+        <p:txBody>
+          <a:bodyPr rtlCol="0" anchor="ctr"/>
+          <a:lstStyle/>
+          <a:p>
+            <a:pPr algn="ctr"/>
+            <a:endParaRPr lang="fr-FR"/>
+          </a:p>
+        </p:txBody>
+      </p:sp>
+      <p:cxnSp>
+        <p:nvCxnSpPr>
+          <p:cNvPr id="15" name="Straight Arrow Connector 14">
+            <a:extLst>
+              <a:ext uri="{FF2B5EF4-FFF2-40B4-BE49-F238E27FC236}">
+                <a16:creationId xmlns:a16="http://schemas.microsoft.com/office/drawing/2014/main" id="{FA0FD7AD-600E-2225-BACF-31E1716A17C1}"/>
+              </a:ext>
+            </a:extLst>
+          </p:cNvPr>
+          <p:cNvCxnSpPr>
+            <a:cxnSpLocks/>
+            <a:stCxn id="13" idx="2"/>
+            <a:endCxn id="14" idx="0"/>
+          </p:cNvCxnSpPr>
+          <p:nvPr/>
+        </p:nvCxnSpPr>
+        <p:spPr>
+          <a:xfrm flipH="1">
+            <a:off x="5665470" y="2813418"/>
+            <a:ext cx="4898" cy="1884312"/>
+          </a:xfrm>
+          <a:prstGeom prst="straightConnector1">
+            <a:avLst/>
+          </a:prstGeom>
+          <a:ln>
+            <a:tailEnd type="triangle"/>
+          </a:ln>
+        </p:spPr>
+        <p:style>
+          <a:lnRef idx="2">
+            <a:schemeClr val="accent1"/>
+          </a:lnRef>
+          <a:fillRef idx="0">
+            <a:schemeClr val="accent1"/>
+          </a:fillRef>
+          <a:effectRef idx="1">
+            <a:schemeClr val="accent1"/>
+          </a:effectRef>
+          <a:fontRef idx="minor">
+            <a:schemeClr val="tx1"/>
+          </a:fontRef>
+        </p:style>
+      </p:cxnSp>
+      <p:pic>
+        <p:nvPicPr>
+          <p:cNvPr id="3" name="Picture 2">
+            <a:extLst>
+              <a:ext uri="{FF2B5EF4-FFF2-40B4-BE49-F238E27FC236}">
+                <a16:creationId xmlns:a16="http://schemas.microsoft.com/office/drawing/2014/main" id="{EDA8502F-6ADF-2135-AC56-70C3047F4CA8}"/>
+              </a:ext>
+            </a:extLst>
+          </p:cNvPr>
+          <p:cNvPicPr>
+            <a:picLocks noChangeAspect="1"/>
+          </p:cNvPicPr>
+          <p:nvPr/>
+        </p:nvPicPr>
+        <p:blipFill>
+          <a:blip r:embed="rId4"/>
+          <a:stretch>
+            <a:fillRect/>
+          </a:stretch>
+        </p:blipFill>
+        <p:spPr>
+          <a:xfrm>
+            <a:off x="5050971" y="3451791"/>
+            <a:ext cx="1952898" cy="990738"/>
+          </a:xfrm>
+          <a:prstGeom prst="rect">
+            <a:avLst/>
+          </a:prstGeom>
+          <a:ln>
+            <a:noFill/>
+          </a:ln>
+          <a:effectLst>
+            <a:outerShdw blurRad="292100" dist="139700" dir="2700000" algn="tl" rotWithShape="0">
+              <a:srgbClr val="333333">
+                <a:alpha val="65000"/>
+              </a:srgbClr>
+            </a:outerShdw>
+          </a:effectLst>
+        </p:spPr>
+      </p:pic>
+      <p:sp>
+        <p:nvSpPr>
+          <p:cNvPr id="19" name="TextBox 18">
+            <a:extLst>
+              <a:ext uri="{FF2B5EF4-FFF2-40B4-BE49-F238E27FC236}">
+                <a16:creationId xmlns:a16="http://schemas.microsoft.com/office/drawing/2014/main" id="{B8A3C1CD-E8A2-6644-E30E-BB6ECD6505B1}"/>
+              </a:ext>
+            </a:extLst>
+          </p:cNvPr>
+          <p:cNvSpPr txBox="1"/>
+          <p:nvPr/>
+        </p:nvSpPr>
+        <p:spPr>
+          <a:xfrm>
+            <a:off x="4572000" y="700768"/>
+            <a:ext cx="853440" cy="369332"/>
+          </a:xfrm>
+          <a:prstGeom prst="rect">
+            <a:avLst/>
+          </a:prstGeom>
+          <a:noFill/>
+        </p:spPr>
+        <p:txBody>
+          <a:bodyPr wrap="square">
+            <a:spAutoFit/>
+          </a:bodyPr>
+          <a:lstStyle/>
+          <a:p>
+            <a:r>
+              <a:rPr lang="fr-FR" b="0" i="0" dirty="0" err="1">
+                <a:solidFill>
+                  <a:srgbClr val="333333"/>
+                </a:solidFill>
+                <a:effectLst/>
+                <a:latin typeface="Source Sans Pro" panose="020B0503030403020204" pitchFamily="34" charset="0"/>
+              </a:rPr>
+              <a:t>BSh</a:t>
+            </a:r>
+            <a:endParaRPr lang="fr-FR" dirty="0"/>
+          </a:p>
+        </p:txBody>
+      </p:sp>
+    </p:spTree>
+    <p:extLst>
+      <p:ext uri="{BB962C8B-B14F-4D97-AF65-F5344CB8AC3E}">
+        <p14:creationId xmlns:p14="http://schemas.microsoft.com/office/powerpoint/2010/main" val="1287965797"/>
+      </p:ext>
+    </p:extLst>
+  </p:cSld>
+  <p:clrMapOvr>
+    <a:masterClrMapping/>
+  </p:clrMapOvr>
+</p:sld>
+</file>
+
+<file path=ppt/slides/slide5.xml><?xml version="1.0" encoding="utf-8"?>
+<p:sld xmlns:a="http://schemas.openxmlformats.org/drawingml/2006/main" xmlns:r="http://schemas.openxmlformats.org/officeDocument/2006/relationships" xmlns:p="http://schemas.openxmlformats.org/presentationml/2006/main">
+  <p:cSld>
+    <p:spTree>
+      <p:nvGrpSpPr>
+        <p:cNvPr id="1" name="">
+          <a:extLst>
+            <a:ext uri="{FF2B5EF4-FFF2-40B4-BE49-F238E27FC236}">
+              <a16:creationId xmlns:a16="http://schemas.microsoft.com/office/drawing/2014/main" id="{1E16F70C-7730-33BA-0BBB-D972624CA3DC}"/>
+            </a:ext>
+          </a:extLst>
+        </p:cNvPr>
+        <p:cNvGrpSpPr/>
+        <p:nvPr/>
+      </p:nvGrpSpPr>
+      <p:grpSpPr>
+        <a:xfrm>
+          <a:off x="0" y="0"/>
+          <a:ext cx="0" cy="0"/>
+          <a:chOff x="0" y="0"/>
+          <a:chExt cx="0" cy="0"/>
+        </a:xfrm>
+      </p:grpSpPr>
+      <p:pic>
+        <p:nvPicPr>
+          <p:cNvPr id="5" name="Picture 4" descr="A graph of a number of data&#10;&#10;Description automatically generated">
+            <a:extLst>
+              <a:ext uri="{FF2B5EF4-FFF2-40B4-BE49-F238E27FC236}">
+                <a16:creationId xmlns:a16="http://schemas.microsoft.com/office/drawing/2014/main" id="{2D43A4D5-456B-B1A1-B92F-68154F0F4FE3}"/>
+              </a:ext>
+            </a:extLst>
+          </p:cNvPr>
+          <p:cNvPicPr>
+            <a:picLocks noChangeAspect="1"/>
+          </p:cNvPicPr>
+          <p:nvPr/>
+        </p:nvPicPr>
+        <p:blipFill>
+          <a:blip r:embed="rId2">
+            <a:extLst>
+              <a:ext uri="{28A0092B-C50C-407E-A947-70E740481C1C}">
+                <a14:useLocalDpi xmlns:a14="http://schemas.microsoft.com/office/drawing/2010/main" val="0"/>
+              </a:ext>
+            </a:extLst>
+          </a:blip>
+          <a:srcRect t="12456"/>
+          <a:stretch/>
+        </p:blipFill>
+        <p:spPr>
+          <a:xfrm>
+            <a:off x="1346479" y="4462"/>
+            <a:ext cx="9455499" cy="6817679"/>
+          </a:xfrm>
+          <a:prstGeom prst="rect">
+            <a:avLst/>
+          </a:prstGeom>
+        </p:spPr>
+      </p:pic>
+      <p:pic>
+        <p:nvPicPr>
+          <p:cNvPr id="3" name="Picture 2">
+            <a:extLst>
+              <a:ext uri="{FF2B5EF4-FFF2-40B4-BE49-F238E27FC236}">
+                <a16:creationId xmlns:a16="http://schemas.microsoft.com/office/drawing/2014/main" id="{5A93F505-8B03-0E27-7BEE-19C6389F67D6}"/>
+              </a:ext>
+            </a:extLst>
+          </p:cNvPr>
+          <p:cNvPicPr>
+            <a:picLocks noChangeAspect="1"/>
+          </p:cNvPicPr>
+          <p:nvPr/>
+        </p:nvPicPr>
+        <p:blipFill>
+          <a:blip r:embed="rId3"/>
+          <a:stretch>
+            <a:fillRect/>
+          </a:stretch>
+        </p:blipFill>
+        <p:spPr>
+          <a:xfrm>
+            <a:off x="4404360" y="404139"/>
+            <a:ext cx="1943257" cy="4259302"/>
+          </a:xfrm>
+          <a:prstGeom prst="rect">
+            <a:avLst/>
+          </a:prstGeom>
+          <a:ln>
+            <a:noFill/>
+          </a:ln>
+          <a:effectLst>
+            <a:outerShdw blurRad="292100" dist="139700" dir="2700000" algn="tl" rotWithShape="0">
+              <a:srgbClr val="333333">
+                <a:alpha val="65000"/>
+              </a:srgbClr>
+            </a:outerShdw>
+          </a:effectLst>
+        </p:spPr>
+      </p:pic>
+      <p:cxnSp>
+        <p:nvCxnSpPr>
+          <p:cNvPr id="6" name="Straight Arrow Connector 5">
+            <a:extLst>
+              <a:ext uri="{FF2B5EF4-FFF2-40B4-BE49-F238E27FC236}">
+                <a16:creationId xmlns:a16="http://schemas.microsoft.com/office/drawing/2014/main" id="{BDF9D931-EBCE-3B9C-8969-A3D3294B14A7}"/>
+              </a:ext>
+            </a:extLst>
+          </p:cNvPr>
+          <p:cNvCxnSpPr>
+            <a:cxnSpLocks/>
+            <a:stCxn id="3" idx="3"/>
+            <a:endCxn id="16" idx="1"/>
+          </p:cNvCxnSpPr>
+          <p:nvPr/>
+        </p:nvCxnSpPr>
+        <p:spPr>
+          <a:xfrm>
+            <a:off x="6347617" y="2533790"/>
+            <a:ext cx="929483" cy="2076310"/>
+          </a:xfrm>
+          <a:prstGeom prst="straightConnector1">
+            <a:avLst/>
+          </a:prstGeom>
+          <a:ln>
+            <a:tailEnd type="triangle"/>
+          </a:ln>
+        </p:spPr>
+        <p:style>
+          <a:lnRef idx="2">
+            <a:schemeClr val="accent1"/>
+          </a:lnRef>
+          <a:fillRef idx="0">
+            <a:schemeClr val="accent1"/>
+          </a:fillRef>
+          <a:effectRef idx="1">
+            <a:schemeClr val="accent1"/>
+          </a:effectRef>
+          <a:fontRef idx="minor">
+            <a:schemeClr val="tx1"/>
+          </a:fontRef>
+        </p:style>
+      </p:cxnSp>
+      <p:sp>
+        <p:nvSpPr>
+          <p:cNvPr id="16" name="Rectangle 15">
+            <a:extLst>
+              <a:ext uri="{FF2B5EF4-FFF2-40B4-BE49-F238E27FC236}">
+                <a16:creationId xmlns:a16="http://schemas.microsoft.com/office/drawing/2014/main" id="{C9A99168-6804-882F-F40C-53E85305525C}"/>
+              </a:ext>
+            </a:extLst>
+          </p:cNvPr>
+          <p:cNvSpPr/>
+          <p:nvPr/>
+        </p:nvSpPr>
+        <p:spPr>
+          <a:xfrm>
+            <a:off x="7277100" y="4362450"/>
+            <a:ext cx="754380" cy="495300"/>
+          </a:xfrm>
+          <a:prstGeom prst="rect">
+            <a:avLst/>
+          </a:prstGeom>
+          <a:noFill/>
+        </p:spPr>
+        <p:style>
+          <a:lnRef idx="2">
+            <a:schemeClr val="accent1">
+              <a:shade val="15000"/>
+            </a:schemeClr>
+          </a:lnRef>
+          <a:fillRef idx="1">
+            <a:schemeClr val="accent1"/>
+          </a:fillRef>
+          <a:effectRef idx="0">
+            <a:schemeClr val="accent1"/>
+          </a:effectRef>
+          <a:fontRef idx="minor">
+            <a:schemeClr val="lt1"/>
+          </a:fontRef>
+        </p:style>
+        <p:txBody>
+          <a:bodyPr rtlCol="0" anchor="ctr"/>
+          <a:lstStyle/>
+          <a:p>
+            <a:pPr algn="ctr"/>
+            <a:endParaRPr lang="fr-FR"/>
+          </a:p>
+        </p:txBody>
+      </p:sp>
+      <p:sp>
+        <p:nvSpPr>
+          <p:cNvPr id="22" name="TextBox 21">
+            <a:extLst>
+              <a:ext uri="{FF2B5EF4-FFF2-40B4-BE49-F238E27FC236}">
+                <a16:creationId xmlns:a16="http://schemas.microsoft.com/office/drawing/2014/main" id="{16542B7C-64A9-397B-1712-5DF34CAEB94E}"/>
+              </a:ext>
+            </a:extLst>
+          </p:cNvPr>
+          <p:cNvSpPr txBox="1"/>
+          <p:nvPr/>
+        </p:nvSpPr>
+        <p:spPr>
+          <a:xfrm>
+            <a:off x="3802380" y="404139"/>
+            <a:ext cx="883920" cy="369332"/>
+          </a:xfrm>
+          <a:prstGeom prst="rect">
+            <a:avLst/>
+          </a:prstGeom>
+          <a:noFill/>
+        </p:spPr>
+        <p:txBody>
+          <a:bodyPr wrap="square">
+            <a:spAutoFit/>
+          </a:bodyPr>
+          <a:lstStyle/>
+          <a:p>
+            <a:r>
+              <a:rPr lang="fr-FR" b="0" i="0" dirty="0" err="1">
+                <a:solidFill>
+                  <a:srgbClr val="333333"/>
+                </a:solidFill>
+                <a:effectLst/>
+                <a:latin typeface="Source Sans Pro" panose="020B0503030403020204" pitchFamily="34" charset="0"/>
+              </a:rPr>
+              <a:t>Cfa</a:t>
+            </a:r>
+            <a:endParaRPr lang="fr-FR" dirty="0"/>
+          </a:p>
+        </p:txBody>
+      </p:sp>
+    </p:spTree>
+    <p:extLst>
+      <p:ext uri="{BB962C8B-B14F-4D97-AF65-F5344CB8AC3E}">
+        <p14:creationId xmlns:p14="http://schemas.microsoft.com/office/powerpoint/2010/main" val="1556588718"/>
+      </p:ext>
+    </p:extLst>
+  </p:cSld>
+  <p:clrMapOvr>
+    <a:masterClrMapping/>
+  </p:clrMapOvr>
+</p:sld>
+</file>
+
+<file path=ppt/slides/slide6.xml><?xml version="1.0" encoding="utf-8"?>
+<p:sld xmlns:a="http://schemas.openxmlformats.org/drawingml/2006/main" xmlns:r="http://schemas.openxmlformats.org/officeDocument/2006/relationships" xmlns:p="http://schemas.openxmlformats.org/presentationml/2006/main">
+  <p:cSld>
+    <p:spTree>
+      <p:nvGrpSpPr>
+        <p:cNvPr id="1" name="">
+          <a:extLst>
+            <a:ext uri="{FF2B5EF4-FFF2-40B4-BE49-F238E27FC236}">
+              <a16:creationId xmlns:a16="http://schemas.microsoft.com/office/drawing/2014/main" id="{DFE5BBB6-2F49-B427-9E00-37E6C7548868}"/>
+            </a:ext>
+          </a:extLst>
+        </p:cNvPr>
+        <p:cNvGrpSpPr/>
+        <p:nvPr/>
+      </p:nvGrpSpPr>
+      <p:grpSpPr>
+        <a:xfrm>
+          <a:off x="0" y="0"/>
+          <a:ext cx="0" cy="0"/>
+          <a:chOff x="0" y="0"/>
+          <a:chExt cx="0" cy="0"/>
+        </a:xfrm>
+      </p:grpSpPr>
+      <p:pic>
+        <p:nvPicPr>
+          <p:cNvPr id="5" name="Picture 4" descr="A graph of a number of data&#10;&#10;Description automatically generated">
+            <a:extLst>
+              <a:ext uri="{FF2B5EF4-FFF2-40B4-BE49-F238E27FC236}">
+                <a16:creationId xmlns:a16="http://schemas.microsoft.com/office/drawing/2014/main" id="{5BBB2B40-8E97-849E-097F-701AE6C499D7}"/>
+              </a:ext>
+            </a:extLst>
+          </p:cNvPr>
+          <p:cNvPicPr>
+            <a:picLocks noChangeAspect="1"/>
+          </p:cNvPicPr>
+          <p:nvPr/>
+        </p:nvPicPr>
+        <p:blipFill>
+          <a:blip r:embed="rId2">
+            <a:extLst>
+              <a:ext uri="{28A0092B-C50C-407E-A947-70E740481C1C}">
+                <a14:useLocalDpi xmlns:a14="http://schemas.microsoft.com/office/drawing/2010/main" val="0"/>
+              </a:ext>
+            </a:extLst>
+          </a:blip>
+          <a:srcRect t="12456"/>
+          <a:stretch/>
+        </p:blipFill>
+        <p:spPr>
+          <a:xfrm>
+            <a:off x="1346479" y="4462"/>
+            <a:ext cx="9455499" cy="6817679"/>
+          </a:xfrm>
+          <a:prstGeom prst="rect">
+            <a:avLst/>
+          </a:prstGeom>
+        </p:spPr>
+      </p:pic>
+      <p:pic>
+        <p:nvPicPr>
+          <p:cNvPr id="3" name="Picture 2">
+            <a:extLst>
+              <a:ext uri="{FF2B5EF4-FFF2-40B4-BE49-F238E27FC236}">
+                <a16:creationId xmlns:a16="http://schemas.microsoft.com/office/drawing/2014/main" id="{91DD8744-22A1-A64B-59A0-C61E8E5E4433}"/>
+              </a:ext>
+            </a:extLst>
+          </p:cNvPr>
+          <p:cNvPicPr>
+            <a:picLocks noChangeAspect="1"/>
+          </p:cNvPicPr>
+          <p:nvPr/>
+        </p:nvPicPr>
+        <p:blipFill>
+          <a:blip r:embed="rId3"/>
+          <a:stretch>
+            <a:fillRect/>
+          </a:stretch>
+        </p:blipFill>
+        <p:spPr>
+          <a:xfrm>
+            <a:off x="5615629" y="1619093"/>
+            <a:ext cx="2229161" cy="2248214"/>
+          </a:xfrm>
+          <a:prstGeom prst="rect">
+            <a:avLst/>
+          </a:prstGeom>
+          <a:ln>
+            <a:noFill/>
+          </a:ln>
+          <a:effectLst>
+            <a:outerShdw blurRad="292100" dist="139700" dir="2700000" algn="tl" rotWithShape="0">
+              <a:srgbClr val="333333">
+                <a:alpha val="65000"/>
+              </a:srgbClr>
+            </a:outerShdw>
+          </a:effectLst>
+        </p:spPr>
+      </p:pic>
+      <p:sp>
+        <p:nvSpPr>
+          <p:cNvPr id="4" name="Rectangle 3">
+            <a:extLst>
+              <a:ext uri="{FF2B5EF4-FFF2-40B4-BE49-F238E27FC236}">
+                <a16:creationId xmlns:a16="http://schemas.microsoft.com/office/drawing/2014/main" id="{2DF1DBF2-EA2A-C796-6513-4AB0211E1751}"/>
+              </a:ext>
+            </a:extLst>
+          </p:cNvPr>
+          <p:cNvSpPr/>
+          <p:nvPr/>
+        </p:nvSpPr>
+        <p:spPr>
+          <a:xfrm>
+            <a:off x="7658100" y="4518660"/>
+            <a:ext cx="373380" cy="266700"/>
+          </a:xfrm>
+          <a:prstGeom prst="rect">
+            <a:avLst/>
+          </a:prstGeom>
+          <a:noFill/>
+        </p:spPr>
+        <p:style>
+          <a:lnRef idx="2">
+            <a:schemeClr val="accent1">
+              <a:shade val="15000"/>
+            </a:schemeClr>
+          </a:lnRef>
+          <a:fillRef idx="1">
+            <a:schemeClr val="accent1"/>
+          </a:fillRef>
+          <a:effectRef idx="0">
+            <a:schemeClr val="accent1"/>
+          </a:effectRef>
+          <a:fontRef idx="minor">
+            <a:schemeClr val="lt1"/>
+          </a:fontRef>
+        </p:style>
+        <p:txBody>
+          <a:bodyPr rtlCol="0" anchor="ctr"/>
+          <a:lstStyle/>
+          <a:p>
+            <a:pPr algn="ctr"/>
+            <a:endParaRPr lang="fr-FR"/>
+          </a:p>
+        </p:txBody>
+      </p:sp>
+      <p:cxnSp>
+        <p:nvCxnSpPr>
+          <p:cNvPr id="6" name="Straight Arrow Connector 5">
+            <a:extLst>
+              <a:ext uri="{FF2B5EF4-FFF2-40B4-BE49-F238E27FC236}">
+                <a16:creationId xmlns:a16="http://schemas.microsoft.com/office/drawing/2014/main" id="{9698A650-C9C1-BD54-56C8-E503BDE9334A}"/>
+              </a:ext>
+            </a:extLst>
+          </p:cNvPr>
+          <p:cNvCxnSpPr>
+            <a:cxnSpLocks/>
+            <a:stCxn id="3" idx="2"/>
+          </p:cNvCxnSpPr>
+          <p:nvPr/>
+        </p:nvCxnSpPr>
+        <p:spPr>
+          <a:xfrm>
+            <a:off x="6730210" y="3867307"/>
+            <a:ext cx="1114580" cy="651353"/>
+          </a:xfrm>
+          <a:prstGeom prst="straightConnector1">
+            <a:avLst/>
+          </a:prstGeom>
+          <a:ln>
+            <a:tailEnd type="triangle"/>
+          </a:ln>
+        </p:spPr>
+        <p:style>
+          <a:lnRef idx="2">
+            <a:schemeClr val="accent1"/>
+          </a:lnRef>
+          <a:fillRef idx="0">
+            <a:schemeClr val="accent1"/>
+          </a:fillRef>
+          <a:effectRef idx="1">
+            <a:schemeClr val="accent1"/>
+          </a:effectRef>
+          <a:fontRef idx="minor">
+            <a:schemeClr val="tx1"/>
+          </a:fontRef>
+        </p:style>
+      </p:cxnSp>
+      <p:sp>
+        <p:nvSpPr>
+          <p:cNvPr id="10" name="TextBox 9">
+            <a:extLst>
+              <a:ext uri="{FF2B5EF4-FFF2-40B4-BE49-F238E27FC236}">
+                <a16:creationId xmlns:a16="http://schemas.microsoft.com/office/drawing/2014/main" id="{834A7BBA-7AE0-51C8-E27D-69A01212F42A}"/>
+              </a:ext>
+            </a:extLst>
+          </p:cNvPr>
+          <p:cNvSpPr txBox="1"/>
+          <p:nvPr/>
+        </p:nvSpPr>
+        <p:spPr>
+          <a:xfrm>
+            <a:off x="5036820" y="1619093"/>
+            <a:ext cx="6096000" cy="369332"/>
+          </a:xfrm>
+          <a:prstGeom prst="rect">
+            <a:avLst/>
+          </a:prstGeom>
+          <a:noFill/>
+        </p:spPr>
+        <p:txBody>
+          <a:bodyPr wrap="square">
+            <a:spAutoFit/>
+          </a:bodyPr>
+          <a:lstStyle/>
+          <a:p>
+            <a:r>
+              <a:rPr lang="fr-FR" b="0" i="0" dirty="0" err="1">
+                <a:solidFill>
+                  <a:srgbClr val="333333"/>
+                </a:solidFill>
+                <a:effectLst/>
+                <a:latin typeface="Source Sans Pro" panose="020B0503030403020204" pitchFamily="34" charset="0"/>
+              </a:rPr>
+              <a:t>Dfb</a:t>
+            </a:r>
+            <a:endParaRPr lang="fr-FR" dirty="0"/>
+          </a:p>
+        </p:txBody>
+      </p:sp>
+    </p:spTree>
+    <p:extLst>
+      <p:ext uri="{BB962C8B-B14F-4D97-AF65-F5344CB8AC3E}">
+        <p14:creationId xmlns:p14="http://schemas.microsoft.com/office/powerpoint/2010/main" val="4149401697"/>
+      </p:ext>
+    </p:extLst>
+  </p:cSld>
+  <p:clrMapOvr>
+    <a:masterClrMapping/>
+  </p:clrMapOvr>
+</p:sld>
+</file>
+
+<file path=ppt/slides/slide7.xml><?xml version="1.0" encoding="utf-8"?>
+<p:sld xmlns:a="http://schemas.openxmlformats.org/drawingml/2006/main" xmlns:r="http://schemas.openxmlformats.org/officeDocument/2006/relationships" xmlns:p="http://schemas.openxmlformats.org/presentationml/2006/main">
+  <p:cSld>
+    <p:spTree>
+      <p:nvGrpSpPr>
+        <p:cNvPr id="1" name="">
+          <a:extLst>
+            <a:ext uri="{FF2B5EF4-FFF2-40B4-BE49-F238E27FC236}">
+              <a16:creationId xmlns:a16="http://schemas.microsoft.com/office/drawing/2014/main" id="{9C1D07A7-AD08-CB6A-3B3C-335F21BCAF72}"/>
+            </a:ext>
+          </a:extLst>
+        </p:cNvPr>
+        <p:cNvGrpSpPr/>
+        <p:nvPr/>
+      </p:nvGrpSpPr>
+      <p:grpSpPr>
+        <a:xfrm>
+          <a:off x="0" y="0"/>
+          <a:ext cx="0" cy="0"/>
+          <a:chOff x="0" y="0"/>
+          <a:chExt cx="0" cy="0"/>
+        </a:xfrm>
+      </p:grpSpPr>
+      <p:pic>
+        <p:nvPicPr>
+          <p:cNvPr id="5" name="Picture 4" descr="A graph of a number of data&#10;&#10;Description automatically generated">
+            <a:extLst>
+              <a:ext uri="{FF2B5EF4-FFF2-40B4-BE49-F238E27FC236}">
+                <a16:creationId xmlns:a16="http://schemas.microsoft.com/office/drawing/2014/main" id="{0B1A1719-E95E-A123-3983-FDE4E41BF72C}"/>
+              </a:ext>
+            </a:extLst>
+          </p:cNvPr>
+          <p:cNvPicPr>
+            <a:picLocks noChangeAspect="1"/>
+          </p:cNvPicPr>
+          <p:nvPr/>
+        </p:nvPicPr>
+        <p:blipFill>
+          <a:blip r:embed="rId2">
+            <a:extLst>
+              <a:ext uri="{28A0092B-C50C-407E-A947-70E740481C1C}">
+                <a14:useLocalDpi xmlns:a14="http://schemas.microsoft.com/office/drawing/2010/main" val="0"/>
+              </a:ext>
+            </a:extLst>
+          </a:blip>
+          <a:srcRect t="12456"/>
+          <a:stretch/>
+        </p:blipFill>
+        <p:spPr>
+          <a:xfrm>
+            <a:off x="1346479" y="4462"/>
+            <a:ext cx="9455499" cy="6817679"/>
+          </a:xfrm>
+          <a:prstGeom prst="rect">
+            <a:avLst/>
+          </a:prstGeom>
+        </p:spPr>
+      </p:pic>
+      <p:sp>
+        <p:nvSpPr>
+          <p:cNvPr id="2" name="TextBox 1">
+            <a:extLst>
+              <a:ext uri="{FF2B5EF4-FFF2-40B4-BE49-F238E27FC236}">
+                <a16:creationId xmlns:a16="http://schemas.microsoft.com/office/drawing/2014/main" id="{415C8F0B-A394-27D9-4D8A-330E6E305FAE}"/>
+              </a:ext>
+            </a:extLst>
+          </p:cNvPr>
+          <p:cNvSpPr txBox="1"/>
+          <p:nvPr/>
+        </p:nvSpPr>
+        <p:spPr>
+          <a:xfrm>
+            <a:off x="6225540" y="2328148"/>
+            <a:ext cx="792480" cy="369332"/>
+          </a:xfrm>
+          <a:prstGeom prst="rect">
+            <a:avLst/>
+          </a:prstGeom>
+          <a:noFill/>
+        </p:spPr>
+        <p:txBody>
+          <a:bodyPr wrap="square">
+            <a:spAutoFit/>
+          </a:bodyPr>
+          <a:lstStyle/>
+          <a:p>
+            <a:r>
+              <a:rPr lang="fr-FR" b="0" i="0" dirty="0" err="1">
+                <a:solidFill>
+                  <a:srgbClr val="333333"/>
+                </a:solidFill>
+                <a:effectLst/>
+                <a:latin typeface="Source Sans Pro" panose="020B0503030403020204" pitchFamily="34" charset="0"/>
+              </a:rPr>
+              <a:t>Dfa</a:t>
+            </a:r>
+            <a:endParaRPr lang="fr-FR" dirty="0"/>
+          </a:p>
+        </p:txBody>
+      </p:sp>
+      <p:sp>
+        <p:nvSpPr>
+          <p:cNvPr id="3" name="Rectangle 2">
+            <a:extLst>
+              <a:ext uri="{FF2B5EF4-FFF2-40B4-BE49-F238E27FC236}">
+                <a16:creationId xmlns:a16="http://schemas.microsoft.com/office/drawing/2014/main" id="{66F0354F-8EC0-7B11-D737-70C9544C6055}"/>
+              </a:ext>
+            </a:extLst>
+          </p:cNvPr>
+          <p:cNvSpPr/>
+          <p:nvPr/>
+        </p:nvSpPr>
+        <p:spPr>
+          <a:xfrm>
+            <a:off x="6316980" y="2697480"/>
+            <a:ext cx="1569720" cy="845820"/>
+          </a:xfrm>
+          <a:prstGeom prst="rect">
+            <a:avLst/>
+          </a:prstGeom>
+          <a:solidFill>
+            <a:srgbClr val="00FFFF"/>
+          </a:solidFill>
+        </p:spPr>
+        <p:style>
+          <a:lnRef idx="2">
+            <a:schemeClr val="accent1">
+              <a:shade val="15000"/>
+            </a:schemeClr>
+          </a:lnRef>
+          <a:fillRef idx="1">
+            <a:schemeClr val="accent1"/>
+          </a:fillRef>
+          <a:effectRef idx="0">
+            <a:schemeClr val="accent1"/>
+          </a:effectRef>
+          <a:fontRef idx="minor">
+            <a:schemeClr val="lt1"/>
+          </a:fontRef>
+        </p:style>
+        <p:txBody>
+          <a:bodyPr rtlCol="0" anchor="ctr"/>
+          <a:lstStyle/>
+          <a:p>
+            <a:r>
+              <a:rPr lang="en-GB" dirty="0">
+                <a:solidFill>
+                  <a:schemeClr val="tx1"/>
+                </a:solidFill>
+              </a:rPr>
+              <a:t>Koros</a:t>
+            </a:r>
+          </a:p>
+          <a:p>
+            <a:r>
+              <a:rPr lang="en-GB" dirty="0">
+                <a:solidFill>
+                  <a:schemeClr val="tx1"/>
+                </a:solidFill>
+              </a:rPr>
+              <a:t>Early LBK</a:t>
+            </a:r>
+            <a:endParaRPr lang="fr-FR" dirty="0">
+              <a:solidFill>
+                <a:schemeClr val="tx1"/>
+              </a:solidFill>
+            </a:endParaRPr>
+          </a:p>
+        </p:txBody>
+      </p:sp>
+      <p:sp>
+        <p:nvSpPr>
+          <p:cNvPr id="4" name="Rectangle 3">
+            <a:extLst>
+              <a:ext uri="{FF2B5EF4-FFF2-40B4-BE49-F238E27FC236}">
+                <a16:creationId xmlns:a16="http://schemas.microsoft.com/office/drawing/2014/main" id="{C44A8F67-B0B6-EBB0-2AF5-F3EF5ADA9DF0}"/>
+              </a:ext>
+            </a:extLst>
+          </p:cNvPr>
+          <p:cNvSpPr/>
+          <p:nvPr/>
+        </p:nvSpPr>
+        <p:spPr>
+          <a:xfrm>
+            <a:off x="8039100" y="3543300"/>
+            <a:ext cx="701040" cy="845820"/>
+          </a:xfrm>
+          <a:prstGeom prst="rect">
+            <a:avLst/>
+          </a:prstGeom>
+          <a:noFill/>
+        </p:spPr>
+        <p:style>
+          <a:lnRef idx="2">
+            <a:schemeClr val="accent1">
+              <a:shade val="15000"/>
+            </a:schemeClr>
+          </a:lnRef>
+          <a:fillRef idx="1">
+            <a:schemeClr val="accent1"/>
+          </a:fillRef>
+          <a:effectRef idx="0">
+            <a:schemeClr val="accent1"/>
+          </a:effectRef>
+          <a:fontRef idx="minor">
+            <a:schemeClr val="lt1"/>
+          </a:fontRef>
+        </p:style>
+        <p:txBody>
+          <a:bodyPr rtlCol="0" anchor="ctr"/>
+          <a:lstStyle/>
+          <a:p>
+            <a:pPr algn="ctr"/>
+            <a:endParaRPr lang="fr-FR"/>
+          </a:p>
+        </p:txBody>
+      </p:sp>
+      <p:cxnSp>
+        <p:nvCxnSpPr>
+          <p:cNvPr id="6" name="Straight Arrow Connector 5">
+            <a:extLst>
+              <a:ext uri="{FF2B5EF4-FFF2-40B4-BE49-F238E27FC236}">
+                <a16:creationId xmlns:a16="http://schemas.microsoft.com/office/drawing/2014/main" id="{87A69DD4-6478-3477-3FA5-A79A89D2E0AA}"/>
+              </a:ext>
+            </a:extLst>
+          </p:cNvPr>
+          <p:cNvCxnSpPr>
+            <a:cxnSpLocks/>
+            <a:stCxn id="3" idx="2"/>
+            <a:endCxn id="4" idx="1"/>
+          </p:cNvCxnSpPr>
+          <p:nvPr/>
+        </p:nvCxnSpPr>
+        <p:spPr>
+          <a:xfrm>
+            <a:off x="7101840" y="3543300"/>
+            <a:ext cx="937260" cy="422910"/>
+          </a:xfrm>
+          <a:prstGeom prst="straightConnector1">
+            <a:avLst/>
+          </a:prstGeom>
+          <a:ln>
+            <a:tailEnd type="triangle"/>
+          </a:ln>
+        </p:spPr>
+        <p:style>
+          <a:lnRef idx="2">
+            <a:schemeClr val="accent1"/>
+          </a:lnRef>
+          <a:fillRef idx="0">
+            <a:schemeClr val="accent1"/>
+          </a:fillRef>
+          <a:effectRef idx="1">
+            <a:schemeClr val="accent1"/>
+          </a:effectRef>
+          <a:fontRef idx="minor">
+            <a:schemeClr val="tx1"/>
+          </a:fontRef>
+        </p:style>
+      </p:cxnSp>
+    </p:spTree>
+    <p:extLst>
+      <p:ext uri="{BB962C8B-B14F-4D97-AF65-F5344CB8AC3E}">
+        <p14:creationId xmlns:p14="http://schemas.microsoft.com/office/powerpoint/2010/main" val="217557954"/>
+      </p:ext>
+    </p:extLst>
+  </p:cSld>
+  <p:clrMapOvr>
+    <a:masterClrMapping/>
+  </p:clrMapOvr>
+</p:sld>
+</file>
+
+<file path=ppt/slides/slide8.xml><?xml version="1.0" encoding="utf-8"?>
+<p:sld xmlns:a="http://schemas.openxmlformats.org/drawingml/2006/main" xmlns:r="http://schemas.openxmlformats.org/officeDocument/2006/relationships" xmlns:p="http://schemas.openxmlformats.org/presentationml/2006/main">
+  <p:cSld>
+    <p:spTree>
+      <p:nvGrpSpPr>
+        <p:cNvPr id="1" name="">
+          <a:extLst>
+            <a:ext uri="{FF2B5EF4-FFF2-40B4-BE49-F238E27FC236}">
+              <a16:creationId xmlns:a16="http://schemas.microsoft.com/office/drawing/2014/main" id="{FB20455A-9FED-317A-F859-4C938FDFE78B}"/>
+            </a:ext>
+          </a:extLst>
+        </p:cNvPr>
+        <p:cNvGrpSpPr/>
+        <p:nvPr/>
+      </p:nvGrpSpPr>
+      <p:grpSpPr>
+        <a:xfrm>
+          <a:off x="0" y="0"/>
+          <a:ext cx="0" cy="0"/>
+          <a:chOff x="0" y="0"/>
+          <a:chExt cx="0" cy="0"/>
+        </a:xfrm>
+      </p:grpSpPr>
+      <p:pic>
+        <p:nvPicPr>
+          <p:cNvPr id="5" name="Picture 4" descr="A graph of a number of data&#10;&#10;Description automatically generated">
+            <a:extLst>
+              <a:ext uri="{FF2B5EF4-FFF2-40B4-BE49-F238E27FC236}">
+                <a16:creationId xmlns:a16="http://schemas.microsoft.com/office/drawing/2014/main" id="{2853DD95-349F-4EE3-2722-31B5297483BA}"/>
+              </a:ext>
+            </a:extLst>
+          </p:cNvPr>
+          <p:cNvPicPr>
+            <a:picLocks noChangeAspect="1"/>
+          </p:cNvPicPr>
+          <p:nvPr/>
+        </p:nvPicPr>
+        <p:blipFill>
+          <a:blip r:embed="rId2">
+            <a:extLst>
+              <a:ext uri="{28A0092B-C50C-407E-A947-70E740481C1C}">
+                <a14:useLocalDpi xmlns:a14="http://schemas.microsoft.com/office/drawing/2010/main" val="0"/>
+              </a:ext>
+            </a:extLst>
+          </a:blip>
+          <a:srcRect t="12456"/>
+          <a:stretch/>
+        </p:blipFill>
+        <p:spPr>
+          <a:xfrm>
+            <a:off x="1346479" y="4462"/>
+            <a:ext cx="9455499" cy="6817679"/>
+          </a:xfrm>
+          <a:prstGeom prst="rect">
+            <a:avLst/>
+          </a:prstGeom>
+        </p:spPr>
+      </p:pic>
+      <p:sp>
+        <p:nvSpPr>
+          <p:cNvPr id="2" name="Rectangle 1">
+            <a:extLst>
+              <a:ext uri="{FF2B5EF4-FFF2-40B4-BE49-F238E27FC236}">
+                <a16:creationId xmlns:a16="http://schemas.microsoft.com/office/drawing/2014/main" id="{6813148E-9793-8114-F8B9-F2E680192927}"/>
+              </a:ext>
+            </a:extLst>
+          </p:cNvPr>
+          <p:cNvSpPr/>
+          <p:nvPr/>
+        </p:nvSpPr>
+        <p:spPr>
+          <a:xfrm>
+            <a:off x="8450580" y="3954780"/>
+            <a:ext cx="624840" cy="647700"/>
+          </a:xfrm>
+          <a:prstGeom prst="rect">
+            <a:avLst/>
+          </a:prstGeom>
+          <a:noFill/>
+        </p:spPr>
+        <p:style>
+          <a:lnRef idx="2">
+            <a:schemeClr val="accent1">
+              <a:shade val="15000"/>
+            </a:schemeClr>
+          </a:lnRef>
+          <a:fillRef idx="1">
+            <a:schemeClr val="accent1"/>
+          </a:fillRef>
+          <a:effectRef idx="0">
+            <a:schemeClr val="accent1"/>
+          </a:effectRef>
+          <a:fontRef idx="minor">
+            <a:schemeClr val="lt1"/>
+          </a:fontRef>
+        </p:style>
+        <p:txBody>
+          <a:bodyPr rtlCol="0" anchor="ctr"/>
+          <a:lstStyle/>
+          <a:p>
+            <a:pPr algn="ctr"/>
+            <a:endParaRPr lang="fr-FR"/>
+          </a:p>
+        </p:txBody>
+      </p:sp>
+      <p:sp>
+        <p:nvSpPr>
+          <p:cNvPr id="3" name="TextBox 2">
+            <a:extLst>
+              <a:ext uri="{FF2B5EF4-FFF2-40B4-BE49-F238E27FC236}">
+                <a16:creationId xmlns:a16="http://schemas.microsoft.com/office/drawing/2014/main" id="{5374F7D2-0E08-3886-70D3-87A7F9D5F35B}"/>
+              </a:ext>
+            </a:extLst>
+          </p:cNvPr>
+          <p:cNvSpPr txBox="1"/>
+          <p:nvPr/>
+        </p:nvSpPr>
+        <p:spPr>
+          <a:xfrm>
+            <a:off x="6225540" y="2328148"/>
+            <a:ext cx="792480" cy="369332"/>
+          </a:xfrm>
+          <a:prstGeom prst="rect">
+            <a:avLst/>
+          </a:prstGeom>
+          <a:noFill/>
+        </p:spPr>
+        <p:txBody>
+          <a:bodyPr wrap="square">
+            <a:spAutoFit/>
+          </a:bodyPr>
+          <a:lstStyle/>
+          <a:p>
+            <a:r>
+              <a:rPr lang="fr-FR" b="0" i="0" dirty="0" err="1">
+                <a:solidFill>
+                  <a:srgbClr val="333333"/>
+                </a:solidFill>
+                <a:effectLst/>
+                <a:latin typeface="Source Sans Pro" panose="020B0503030403020204" pitchFamily="34" charset="0"/>
+              </a:rPr>
+              <a:t>Csb</a:t>
+            </a:r>
+            <a:endParaRPr lang="fr-FR" dirty="0"/>
+          </a:p>
+        </p:txBody>
+      </p:sp>
+    </p:spTree>
+    <p:extLst>
+      <p:ext uri="{BB962C8B-B14F-4D97-AF65-F5344CB8AC3E}">
+        <p14:creationId xmlns:p14="http://schemas.microsoft.com/office/powerpoint/2010/main" val="198834367"/>
       </p:ext>
     </p:extLst>
   </p:cSld>
@@ -3706,6 +5587,23 @@
 </file>
 
 <file path=customXml/item1.xml><?xml version="1.0" encoding="utf-8"?>
+<p:properties xmlns:p="http://schemas.microsoft.com/office/2006/metadata/properties" xmlns:xsi="http://www.w3.org/2001/XMLSchema-instance" xmlns:pc="http://schemas.microsoft.com/office/infopath/2007/PartnerControls">
+  <documentManagement>
+    <_activity xmlns="94f4b94a-9733-4c08-8763-b9647bde53ae" xsi:nil="true"/>
+  </documentManagement>
+</p:properties>
+</file>
+
+<file path=customXml/item2.xml><?xml version="1.0" encoding="utf-8"?>
+<?mso-contentType ?>
+<FormTemplates xmlns="http://schemas.microsoft.com/sharepoint/v3/contenttype/forms">
+  <Display>DocumentLibraryForm</Display>
+  <Edit>DocumentLibraryForm</Edit>
+  <New>DocumentLibraryForm</New>
+</FormTemplates>
+</file>
+
+<file path=customXml/item3.xml><?xml version="1.0" encoding="utf-8"?>
 <ct:contentTypeSchema xmlns:ct="http://schemas.microsoft.com/office/2006/metadata/contentType" xmlns:ma="http://schemas.microsoft.com/office/2006/metadata/properties/metaAttributes" ct:_="" ma:_="" ma:contentTypeName="Document" ma:contentTypeID="0x0101009A7A3254472B7743B56CB49630D01904" ma:contentTypeVersion="18" ma:contentTypeDescription="Create a new document." ma:contentTypeScope="" ma:versionID="d355c8ea8930efc2805aaeda55e7e5a1">
   <xsd:schema xmlns:xsd="http://www.w3.org/2001/XMLSchema" xmlns:xs="http://www.w3.org/2001/XMLSchema" xmlns:p="http://schemas.microsoft.com/office/2006/metadata/properties" xmlns:ns3="94f4b94a-9733-4c08-8763-b9647bde53ae" xmlns:ns4="21dbc7fe-5616-48b9-8043-76aecefb0866" targetNamespace="http://schemas.microsoft.com/office/2006/metadata/properties" ma:root="true" ma:fieldsID="a5f840d0f829f8facb8bfe99758464e9" ns3:_="" ns4:_="">
     <xsd:import namespace="94f4b94a-9733-4c08-8763-b9647bde53ae"/>
@@ -3958,24 +5856,32 @@
 </ct:contentTypeSchema>
 </file>
 
-<file path=customXml/item2.xml><?xml version="1.0" encoding="utf-8"?>
-<?mso-contentType ?>
-<FormTemplates xmlns="http://schemas.microsoft.com/sharepoint/v3/contenttype/forms">
-  <Display>DocumentLibraryForm</Display>
-  <Edit>DocumentLibraryForm</Edit>
-  <New>DocumentLibraryForm</New>
-</FormTemplates>
+<file path=customXml/itemProps1.xml><?xml version="1.0" encoding="utf-8"?>
+<ds:datastoreItem xmlns:ds="http://schemas.openxmlformats.org/officeDocument/2006/customXml" ds:itemID="{02168FB4-0C26-483D-9512-A09BD179831E}">
+  <ds:schemaRefs>
+    <ds:schemaRef ds:uri="94f4b94a-9733-4c08-8763-b9647bde53ae"/>
+    <ds:schemaRef ds:uri="21dbc7fe-5616-48b9-8043-76aecefb0866"/>
+    <ds:schemaRef ds:uri="http://purl.org/dc/elements/1.1/"/>
+    <ds:schemaRef ds:uri="http://schemas.microsoft.com/office/infopath/2007/PartnerControls"/>
+    <ds:schemaRef ds:uri="http://schemas.openxmlformats.org/package/2006/metadata/core-properties"/>
+    <ds:schemaRef ds:uri="http://www.w3.org/XML/1998/namespace"/>
+    <ds:schemaRef ds:uri="http://purl.org/dc/dcmitype/"/>
+    <ds:schemaRef ds:uri="http://schemas.microsoft.com/office/2006/documentManagement/types"/>
+    <ds:schemaRef ds:uri="http://schemas.microsoft.com/office/2006/metadata/properties"/>
+    <ds:schemaRef ds:uri="http://purl.org/dc/terms/"/>
+  </ds:schemaRefs>
+</ds:datastoreItem>
 </file>
 
-<file path=customXml/item3.xml><?xml version="1.0" encoding="utf-8"?>
-<p:properties xmlns:p="http://schemas.microsoft.com/office/2006/metadata/properties" xmlns:xsi="http://www.w3.org/2001/XMLSchema-instance" xmlns:pc="http://schemas.microsoft.com/office/infopath/2007/PartnerControls">
-  <documentManagement>
-    <_activity xmlns="94f4b94a-9733-4c08-8763-b9647bde53ae" xsi:nil="true"/>
-  </documentManagement>
-</p:properties>
+<file path=customXml/itemProps2.xml><?xml version="1.0" encoding="utf-8"?>
+<ds:datastoreItem xmlns:ds="http://schemas.openxmlformats.org/officeDocument/2006/customXml" ds:itemID="{F2EA840C-AAA3-4F76-B2FE-56543E7908CA}">
+  <ds:schemaRefs>
+    <ds:schemaRef ds:uri="http://schemas.microsoft.com/sharepoint/v3/contenttype/forms"/>
+  </ds:schemaRefs>
+</ds:datastoreItem>
 </file>
 
-<file path=customXml/itemProps1.xml><?xml version="1.0" encoding="utf-8"?>
+<file path=customXml/itemProps3.xml><?xml version="1.0" encoding="utf-8"?>
 <ds:datastoreItem xmlns:ds="http://schemas.openxmlformats.org/officeDocument/2006/customXml" ds:itemID="{33DD71E0-59F7-4A1C-A3F8-F2535B02944F}">
   <ds:schemaRefs>
     <ds:schemaRef ds:uri="http://schemas.microsoft.com/office/2006/metadata/contentType"/>
@@ -3992,29 +5898,4 @@
     <ds:schemaRef ds:uri="http://schemas.microsoft.com/internal/obd"/>
   </ds:schemaRefs>
 </ds:datastoreItem>
-</file>
-
-<file path=customXml/itemProps2.xml><?xml version="1.0" encoding="utf-8"?>
-<ds:datastoreItem xmlns:ds="http://schemas.openxmlformats.org/officeDocument/2006/customXml" ds:itemID="{F2EA840C-AAA3-4F76-B2FE-56543E7908CA}">
-  <ds:schemaRefs>
-    <ds:schemaRef ds:uri="http://schemas.microsoft.com/sharepoint/v3/contenttype/forms"/>
-  </ds:schemaRefs>
-</ds:datastoreItem>
-</file>
-
-<file path=customXml/itemProps3.xml><?xml version="1.0" encoding="utf-8"?>
-<ds:datastoreItem xmlns:ds="http://schemas.openxmlformats.org/officeDocument/2006/customXml" ds:itemID="{02168FB4-0C26-483D-9512-A09BD179831E}">
-  <ds:schemaRefs>
-    <ds:schemaRef ds:uri="94f4b94a-9733-4c08-8763-b9647bde53ae"/>
-    <ds:schemaRef ds:uri="21dbc7fe-5616-48b9-8043-76aecefb0866"/>
-    <ds:schemaRef ds:uri="http://purl.org/dc/elements/1.1/"/>
-    <ds:schemaRef ds:uri="http://schemas.microsoft.com/office/infopath/2007/PartnerControls"/>
-    <ds:schemaRef ds:uri="http://schemas.openxmlformats.org/package/2006/metadata/core-properties"/>
-    <ds:schemaRef ds:uri="http://www.w3.org/XML/1998/namespace"/>
-    <ds:schemaRef ds:uri="http://purl.org/dc/dcmitype/"/>
-    <ds:schemaRef ds:uri="http://schemas.microsoft.com/office/2006/documentManagement/types"/>
-    <ds:schemaRef ds:uri="http://schemas.microsoft.com/office/2006/metadata/properties"/>
-    <ds:schemaRef ds:uri="http://purl.org/dc/terms/"/>
-  </ds:schemaRefs>
-</ds:datastoreItem>
 </file>
--- a/doc/talks/2024-asd/img/spd-clim.pptx
+++ b/doc/talks/2024-asd/img/spd-clim.pptx
@@ -4470,7 +4470,7 @@
         <p:spPr>
           <a:xfrm>
             <a:off x="6347617" y="2533790"/>
-            <a:ext cx="929483" cy="2076310"/>
+            <a:ext cx="977415" cy="2076310"/>
           </a:xfrm>
           <a:prstGeom prst="straightConnector1">
             <a:avLst/>
@@ -4508,8 +4508,8 @@
         </p:nvSpPr>
         <p:spPr>
           <a:xfrm>
-            <a:off x="7277100" y="4362450"/>
-            <a:ext cx="754380" cy="495300"/>
+            <a:off x="7325032" y="4362450"/>
+            <a:ext cx="706448" cy="495300"/>
           </a:xfrm>
           <a:prstGeom prst="rect">
             <a:avLst/>
@@ -5184,7 +5184,7 @@
         <p:spPr>
           <a:xfrm>
             <a:off x="8450580" y="3954780"/>
-            <a:ext cx="624840" cy="647700"/>
+            <a:ext cx="486943" cy="647700"/>
           </a:xfrm>
           <a:prstGeom prst="rect">
             <a:avLst/>
@@ -5230,7 +5230,7 @@
         </p:nvSpPr>
         <p:spPr>
           <a:xfrm>
-            <a:off x="6225540" y="2328148"/>
+            <a:off x="6785961" y="447476"/>
             <a:ext cx="792480" cy="369332"/>
           </a:xfrm>
           <a:prstGeom prst="rect">
@@ -5258,6 +5258,89 @@
           </a:p>
         </p:txBody>
       </p:sp>
+      <p:pic>
+        <p:nvPicPr>
+          <p:cNvPr id="8" name="Picture 7">
+            <a:extLst>
+              <a:ext uri="{FF2B5EF4-FFF2-40B4-BE49-F238E27FC236}">
+                <a16:creationId xmlns:a16="http://schemas.microsoft.com/office/drawing/2014/main" id="{B78E871F-025E-FE42-C1B6-2023FF4F0D7A}"/>
+              </a:ext>
+            </a:extLst>
+          </p:cNvPr>
+          <p:cNvPicPr>
+            <a:picLocks noChangeAspect="1"/>
+          </p:cNvPicPr>
+          <p:nvPr/>
+        </p:nvPicPr>
+        <p:blipFill>
+          <a:blip r:embed="rId3"/>
+          <a:stretch>
+            <a:fillRect/>
+          </a:stretch>
+        </p:blipFill>
+        <p:spPr>
+          <a:xfrm>
+            <a:off x="4611330" y="447476"/>
+            <a:ext cx="2092572" cy="4462474"/>
+          </a:xfrm>
+          <a:prstGeom prst="rect">
+            <a:avLst/>
+          </a:prstGeom>
+          <a:ln>
+            <a:noFill/>
+          </a:ln>
+          <a:effectLst>
+            <a:outerShdw blurRad="292100" dist="139700" dir="2700000" algn="tl" rotWithShape="0">
+              <a:srgbClr val="333333">
+                <a:alpha val="65000"/>
+              </a:srgbClr>
+            </a:outerShdw>
+          </a:effectLst>
+        </p:spPr>
+      </p:pic>
+      <p:cxnSp>
+        <p:nvCxnSpPr>
+          <p:cNvPr id="9" name="Straight Arrow Connector 8">
+            <a:extLst>
+              <a:ext uri="{FF2B5EF4-FFF2-40B4-BE49-F238E27FC236}">
+                <a16:creationId xmlns:a16="http://schemas.microsoft.com/office/drawing/2014/main" id="{3C07B5C3-9222-B113-A895-B0D4AA35FC1A}"/>
+              </a:ext>
+            </a:extLst>
+          </p:cNvPr>
+          <p:cNvCxnSpPr>
+            <a:cxnSpLocks/>
+            <a:stCxn id="8" idx="3"/>
+            <a:endCxn id="2" idx="1"/>
+          </p:cNvCxnSpPr>
+          <p:nvPr/>
+        </p:nvCxnSpPr>
+        <p:spPr>
+          <a:xfrm>
+            <a:off x="6703902" y="2678713"/>
+            <a:ext cx="1746678" cy="1599917"/>
+          </a:xfrm>
+          <a:prstGeom prst="straightConnector1">
+            <a:avLst/>
+          </a:prstGeom>
+          <a:ln>
+            <a:tailEnd type="triangle"/>
+          </a:ln>
+        </p:spPr>
+        <p:style>
+          <a:lnRef idx="2">
+            <a:schemeClr val="accent1"/>
+          </a:lnRef>
+          <a:fillRef idx="0">
+            <a:schemeClr val="accent1"/>
+          </a:fillRef>
+          <a:effectRef idx="1">
+            <a:schemeClr val="accent1"/>
+          </a:effectRef>
+          <a:fontRef idx="minor">
+            <a:schemeClr val="tx1"/>
+          </a:fontRef>
+        </p:style>
+      </p:cxnSp>
     </p:spTree>
     <p:extLst>
       <p:ext uri="{BB962C8B-B14F-4D97-AF65-F5344CB8AC3E}">

--- a/doc/talks/2024-asd/img/spd-clim.pptx
+++ b/doc/talks/2024-asd/img/spd-clim.pptx
@@ -268,7 +268,7 @@
           <a:p>
             <a:fld id="{42BA7E6A-926A-42EA-89C1-7DCF3E10241B}" type="datetimeFigureOut">
               <a:rPr lang="fr-FR" smtClean="0"/>
-              <a:t>16/12/2024</a:t>
+              <a:t>17/12/2024</a:t>
             </a:fld>
             <a:endParaRPr lang="fr-FR"/>
           </a:p>
@@ -468,7 +468,7 @@
           <a:p>
             <a:fld id="{42BA7E6A-926A-42EA-89C1-7DCF3E10241B}" type="datetimeFigureOut">
               <a:rPr lang="fr-FR" smtClean="0"/>
-              <a:t>16/12/2024</a:t>
+              <a:t>17/12/2024</a:t>
             </a:fld>
             <a:endParaRPr lang="fr-FR"/>
           </a:p>
@@ -678,7 +678,7 @@
           <a:p>
             <a:fld id="{42BA7E6A-926A-42EA-89C1-7DCF3E10241B}" type="datetimeFigureOut">
               <a:rPr lang="fr-FR" smtClean="0"/>
-              <a:t>16/12/2024</a:t>
+              <a:t>17/12/2024</a:t>
             </a:fld>
             <a:endParaRPr lang="fr-FR"/>
           </a:p>
@@ -878,7 +878,7 @@
           <a:p>
             <a:fld id="{42BA7E6A-926A-42EA-89C1-7DCF3E10241B}" type="datetimeFigureOut">
               <a:rPr lang="fr-FR" smtClean="0"/>
-              <a:t>16/12/2024</a:t>
+              <a:t>17/12/2024</a:t>
             </a:fld>
             <a:endParaRPr lang="fr-FR"/>
           </a:p>
@@ -1154,7 +1154,7 @@
           <a:p>
             <a:fld id="{42BA7E6A-926A-42EA-89C1-7DCF3E10241B}" type="datetimeFigureOut">
               <a:rPr lang="fr-FR" smtClean="0"/>
-              <a:t>16/12/2024</a:t>
+              <a:t>17/12/2024</a:t>
             </a:fld>
             <a:endParaRPr lang="fr-FR"/>
           </a:p>
@@ -1422,7 +1422,7 @@
           <a:p>
             <a:fld id="{42BA7E6A-926A-42EA-89C1-7DCF3E10241B}" type="datetimeFigureOut">
               <a:rPr lang="fr-FR" smtClean="0"/>
-              <a:t>16/12/2024</a:t>
+              <a:t>17/12/2024</a:t>
             </a:fld>
             <a:endParaRPr lang="fr-FR"/>
           </a:p>
@@ -1837,7 +1837,7 @@
           <a:p>
             <a:fld id="{42BA7E6A-926A-42EA-89C1-7DCF3E10241B}" type="datetimeFigureOut">
               <a:rPr lang="fr-FR" smtClean="0"/>
-              <a:t>16/12/2024</a:t>
+              <a:t>17/12/2024</a:t>
             </a:fld>
             <a:endParaRPr lang="fr-FR"/>
           </a:p>
@@ -1979,7 +1979,7 @@
           <a:p>
             <a:fld id="{42BA7E6A-926A-42EA-89C1-7DCF3E10241B}" type="datetimeFigureOut">
               <a:rPr lang="fr-FR" smtClean="0"/>
-              <a:t>16/12/2024</a:t>
+              <a:t>17/12/2024</a:t>
             </a:fld>
             <a:endParaRPr lang="fr-FR"/>
           </a:p>
@@ -2092,7 +2092,7 @@
           <a:p>
             <a:fld id="{42BA7E6A-926A-42EA-89C1-7DCF3E10241B}" type="datetimeFigureOut">
               <a:rPr lang="fr-FR" smtClean="0"/>
-              <a:t>16/12/2024</a:t>
+              <a:t>17/12/2024</a:t>
             </a:fld>
             <a:endParaRPr lang="fr-FR"/>
           </a:p>
@@ -2405,7 +2405,7 @@
           <a:p>
             <a:fld id="{42BA7E6A-926A-42EA-89C1-7DCF3E10241B}" type="datetimeFigureOut">
               <a:rPr lang="fr-FR" smtClean="0"/>
-              <a:t>16/12/2024</a:t>
+              <a:t>17/12/2024</a:t>
             </a:fld>
             <a:endParaRPr lang="fr-FR"/>
           </a:p>
@@ -2694,7 +2694,7 @@
           <a:p>
             <a:fld id="{42BA7E6A-926A-42EA-89C1-7DCF3E10241B}" type="datetimeFigureOut">
               <a:rPr lang="fr-FR" smtClean="0"/>
-              <a:t>16/12/2024</a:t>
+              <a:t>17/12/2024</a:t>
             </a:fld>
             <a:endParaRPr lang="fr-FR"/>
           </a:p>
@@ -2937,7 +2937,7 @@
           <a:p>
             <a:fld id="{42BA7E6A-926A-42EA-89C1-7DCF3E10241B}" type="datetimeFigureOut">
               <a:rPr lang="fr-FR" smtClean="0"/>
-              <a:t>16/12/2024</a:t>
+              <a:t>17/12/2024</a:t>
             </a:fld>
             <a:endParaRPr lang="fr-FR"/>
           </a:p>
@@ -3692,6 +3692,56 @@
           </a:p>
         </p:txBody>
       </p:sp>
+      <p:sp>
+        <p:nvSpPr>
+          <p:cNvPr id="2" name="Rectangle 1">
+            <a:extLst>
+              <a:ext uri="{FF2B5EF4-FFF2-40B4-BE49-F238E27FC236}">
+                <a16:creationId xmlns:a16="http://schemas.microsoft.com/office/drawing/2014/main" id="{D877DF99-9115-EDEB-A033-03E6EDFDB582}"/>
+              </a:ext>
+            </a:extLst>
+          </p:cNvPr>
+          <p:cNvSpPr/>
+          <p:nvPr/>
+        </p:nvSpPr>
+        <p:spPr>
+          <a:xfrm>
+            <a:off x="2659380" y="5183273"/>
+            <a:ext cx="1127760" cy="495300"/>
+          </a:xfrm>
+          <a:prstGeom prst="rect">
+            <a:avLst/>
+          </a:prstGeom>
+          <a:noFill/>
+          <a:ln>
+            <a:prstDash val="sysDash"/>
+          </a:ln>
+        </p:spPr>
+        <p:style>
+          <a:lnRef idx="2">
+            <a:schemeClr val="accent1">
+              <a:shade val="15000"/>
+            </a:schemeClr>
+          </a:lnRef>
+          <a:fillRef idx="1">
+            <a:schemeClr val="accent1"/>
+          </a:fillRef>
+          <a:effectRef idx="0">
+            <a:schemeClr val="accent1"/>
+          </a:effectRef>
+          <a:fontRef idx="minor">
+            <a:schemeClr val="lt1"/>
+          </a:fontRef>
+        </p:style>
+        <p:txBody>
+          <a:bodyPr rtlCol="0" anchor="ctr"/>
+          <a:lstStyle/>
+          <a:p>
+            <a:pPr algn="ctr"/>
+            <a:endParaRPr lang="fr-FR"/>
+          </a:p>
+        </p:txBody>
+      </p:sp>
     </p:spTree>
     <p:extLst>
       <p:ext uri="{BB962C8B-B14F-4D97-AF65-F5344CB8AC3E}">
@@ -3778,7 +3828,7 @@
         <p:spPr>
           <a:xfrm>
             <a:off x="4282440" y="5074920"/>
-            <a:ext cx="1813560" cy="220980"/>
+            <a:ext cx="1813560" cy="175506"/>
           </a:xfrm>
           <a:prstGeom prst="rect">
             <a:avLst/>
@@ -3932,6 +3982,56 @@
               <a:t>BWh</a:t>
             </a:r>
             <a:endParaRPr lang="fr-FR" dirty="0"/>
+          </a:p>
+        </p:txBody>
+      </p:sp>
+      <p:sp>
+        <p:nvSpPr>
+          <p:cNvPr id="4" name="Rectangle 3">
+            <a:extLst>
+              <a:ext uri="{FF2B5EF4-FFF2-40B4-BE49-F238E27FC236}">
+                <a16:creationId xmlns:a16="http://schemas.microsoft.com/office/drawing/2014/main" id="{B4E63931-CCEE-72F7-C205-2A949D1857DE}"/>
+              </a:ext>
+            </a:extLst>
+          </p:cNvPr>
+          <p:cNvSpPr/>
+          <p:nvPr/>
+        </p:nvSpPr>
+        <p:spPr>
+          <a:xfrm>
+            <a:off x="4282440" y="5252016"/>
+            <a:ext cx="1813560" cy="374595"/>
+          </a:xfrm>
+          <a:prstGeom prst="rect">
+            <a:avLst/>
+          </a:prstGeom>
+          <a:noFill/>
+          <a:ln>
+            <a:prstDash val="sysDash"/>
+          </a:ln>
+        </p:spPr>
+        <p:style>
+          <a:lnRef idx="2">
+            <a:schemeClr val="accent1">
+              <a:shade val="15000"/>
+            </a:schemeClr>
+          </a:lnRef>
+          <a:fillRef idx="1">
+            <a:schemeClr val="accent1"/>
+          </a:fillRef>
+          <a:effectRef idx="0">
+            <a:schemeClr val="accent1"/>
+          </a:effectRef>
+          <a:fontRef idx="minor">
+            <a:schemeClr val="lt1"/>
+          </a:fontRef>
+        </p:style>
+        <p:txBody>
+          <a:bodyPr rtlCol="0" anchor="ctr"/>
+          <a:lstStyle/>
+          <a:p>
+            <a:pPr algn="ctr"/>
+            <a:endParaRPr lang="fr-FR"/>
           </a:p>
         </p:txBody>
       </p:sp>
@@ -4062,8 +4162,8 @@
         </p:nvSpPr>
         <p:spPr>
           <a:xfrm>
-            <a:off x="5783580" y="4697730"/>
-            <a:ext cx="480060" cy="495300"/>
+            <a:off x="5803244" y="4697730"/>
+            <a:ext cx="434062" cy="495300"/>
           </a:xfrm>
           <a:prstGeom prst="rect">
             <a:avLst/>
@@ -4113,8 +4213,8 @@
         </p:nvCxnSpPr>
         <p:spPr>
           <a:xfrm flipH="1">
-            <a:off x="6023610" y="4442529"/>
-            <a:ext cx="3810" cy="255201"/>
+            <a:off x="6020275" y="4442529"/>
+            <a:ext cx="7145" cy="255201"/>
           </a:xfrm>
           <a:prstGeom prst="straightConnector1">
             <a:avLst/>
@@ -4182,7 +4282,7 @@
         </p:nvSpPr>
         <p:spPr>
           <a:xfrm>
-            <a:off x="5425440" y="4697730"/>
+            <a:off x="5445104" y="4697730"/>
             <a:ext cx="480060" cy="495300"/>
           </a:xfrm>
           <a:prstGeom prst="rect">
@@ -4232,9 +4332,9 @@
           <p:nvPr/>
         </p:nvCxnSpPr>
         <p:spPr>
-          <a:xfrm flipH="1">
-            <a:off x="5665470" y="2813418"/>
-            <a:ext cx="4898" cy="1884312"/>
+          <a:xfrm>
+            <a:off x="5670368" y="2813418"/>
+            <a:ext cx="14766" cy="1884312"/>
           </a:xfrm>
           <a:prstGeom prst="straightConnector1">
             <a:avLst/>
@@ -4337,6 +4437,56 @@
               <a:t>BSh</a:t>
             </a:r>
             <a:endParaRPr lang="fr-FR" dirty="0"/>
+          </a:p>
+        </p:txBody>
+      </p:sp>
+      <p:sp>
+        <p:nvSpPr>
+          <p:cNvPr id="7" name="Rectangle 6">
+            <a:extLst>
+              <a:ext uri="{FF2B5EF4-FFF2-40B4-BE49-F238E27FC236}">
+                <a16:creationId xmlns:a16="http://schemas.microsoft.com/office/drawing/2014/main" id="{ED21ADA2-EBC2-FEA0-661D-5E65F5F79922}"/>
+              </a:ext>
+            </a:extLst>
+          </p:cNvPr>
+          <p:cNvSpPr/>
+          <p:nvPr/>
+        </p:nvSpPr>
+        <p:spPr>
+          <a:xfrm>
+            <a:off x="5445104" y="5193030"/>
+            <a:ext cx="792202" cy="495300"/>
+          </a:xfrm>
+          <a:prstGeom prst="rect">
+            <a:avLst/>
+          </a:prstGeom>
+          <a:noFill/>
+          <a:ln>
+            <a:prstDash val="sysDash"/>
+          </a:ln>
+        </p:spPr>
+        <p:style>
+          <a:lnRef idx="2">
+            <a:schemeClr val="accent1">
+              <a:shade val="15000"/>
+            </a:schemeClr>
+          </a:lnRef>
+          <a:fillRef idx="1">
+            <a:schemeClr val="accent1"/>
+          </a:fillRef>
+          <a:effectRef idx="0">
+            <a:schemeClr val="accent1"/>
+          </a:effectRef>
+          <a:fontRef idx="minor">
+            <a:schemeClr val="lt1"/>
+          </a:fontRef>
+        </p:style>
+        <p:txBody>
+          <a:bodyPr rtlCol="0" anchor="ctr"/>
+          <a:lstStyle/>
+          <a:p>
+            <a:pPr algn="ctr"/>
+            <a:endParaRPr lang="fr-FR"/>
           </a:p>
         </p:txBody>
       </p:sp>
@@ -4583,6 +4733,56 @@
           </a:p>
         </p:txBody>
       </p:sp>
+      <p:sp>
+        <p:nvSpPr>
+          <p:cNvPr id="2" name="Rectangle 1">
+            <a:extLst>
+              <a:ext uri="{FF2B5EF4-FFF2-40B4-BE49-F238E27FC236}">
+                <a16:creationId xmlns:a16="http://schemas.microsoft.com/office/drawing/2014/main" id="{7E2850BB-8D21-1A6E-F197-F8299EEB77A6}"/>
+              </a:ext>
+            </a:extLst>
+          </p:cNvPr>
+          <p:cNvSpPr/>
+          <p:nvPr/>
+        </p:nvSpPr>
+        <p:spPr>
+          <a:xfrm>
+            <a:off x="7325032" y="4857750"/>
+            <a:ext cx="706448" cy="795798"/>
+          </a:xfrm>
+          <a:prstGeom prst="rect">
+            <a:avLst/>
+          </a:prstGeom>
+          <a:noFill/>
+          <a:ln>
+            <a:prstDash val="sysDash"/>
+          </a:ln>
+        </p:spPr>
+        <p:style>
+          <a:lnRef idx="2">
+            <a:schemeClr val="accent1">
+              <a:shade val="15000"/>
+            </a:schemeClr>
+          </a:lnRef>
+          <a:fillRef idx="1">
+            <a:schemeClr val="accent1"/>
+          </a:fillRef>
+          <a:effectRef idx="0">
+            <a:schemeClr val="accent1"/>
+          </a:effectRef>
+          <a:fontRef idx="minor">
+            <a:schemeClr val="lt1"/>
+          </a:fontRef>
+        </p:style>
+        <p:txBody>
+          <a:bodyPr rtlCol="0" anchor="ctr"/>
+          <a:lstStyle/>
+          <a:p>
+            <a:pPr algn="ctr"/>
+            <a:endParaRPr lang="fr-FR"/>
+          </a:p>
+        </p:txBody>
+      </p:sp>
     </p:spTree>
     <p:extLst>
       <p:ext uri="{BB962C8B-B14F-4D97-AF65-F5344CB8AC3E}">
@@ -4708,8 +4908,8 @@
         </p:nvSpPr>
         <p:spPr>
           <a:xfrm>
-            <a:off x="7658100" y="4518660"/>
-            <a:ext cx="373380" cy="266700"/>
+            <a:off x="7841962" y="4518660"/>
+            <a:ext cx="189517" cy="266700"/>
           </a:xfrm>
           <a:prstGeom prst="rect">
             <a:avLst/>
@@ -4822,6 +5022,56 @@
               <a:t>Dfb</a:t>
             </a:r>
             <a:endParaRPr lang="fr-FR" dirty="0"/>
+          </a:p>
+        </p:txBody>
+      </p:sp>
+      <p:sp>
+        <p:nvSpPr>
+          <p:cNvPr id="2" name="Rectangle 1">
+            <a:extLst>
+              <a:ext uri="{FF2B5EF4-FFF2-40B4-BE49-F238E27FC236}">
+                <a16:creationId xmlns:a16="http://schemas.microsoft.com/office/drawing/2014/main" id="{42DD5E6C-B30D-0B02-5341-C09F64D5C2C2}"/>
+              </a:ext>
+            </a:extLst>
+          </p:cNvPr>
+          <p:cNvSpPr/>
+          <p:nvPr/>
+        </p:nvSpPr>
+        <p:spPr>
+          <a:xfrm>
+            <a:off x="7844789" y="4785359"/>
+            <a:ext cx="189517" cy="819027"/>
+          </a:xfrm>
+          <a:prstGeom prst="rect">
+            <a:avLst/>
+          </a:prstGeom>
+          <a:noFill/>
+          <a:ln>
+            <a:prstDash val="sysDash"/>
+          </a:ln>
+        </p:spPr>
+        <p:style>
+          <a:lnRef idx="2">
+            <a:schemeClr val="accent1">
+              <a:shade val="15000"/>
+            </a:schemeClr>
+          </a:lnRef>
+          <a:fillRef idx="1">
+            <a:schemeClr val="accent1"/>
+          </a:fillRef>
+          <a:effectRef idx="0">
+            <a:schemeClr val="accent1"/>
+          </a:effectRef>
+          <a:fontRef idx="minor">
+            <a:schemeClr val="lt1"/>
+          </a:fontRef>
+        </p:style>
+        <p:txBody>
+          <a:bodyPr rtlCol="0" anchor="ctr"/>
+          <a:lstStyle/>
+          <a:p>
+            <a:pPr algn="ctr"/>
+            <a:endParaRPr lang="fr-FR"/>
           </a:p>
         </p:txBody>
       </p:sp>
@@ -5098,6 +5348,56 @@
           </a:fontRef>
         </p:style>
       </p:cxnSp>
+      <p:sp>
+        <p:nvSpPr>
+          <p:cNvPr id="7" name="Rectangle 6">
+            <a:extLst>
+              <a:ext uri="{FF2B5EF4-FFF2-40B4-BE49-F238E27FC236}">
+                <a16:creationId xmlns:a16="http://schemas.microsoft.com/office/drawing/2014/main" id="{DF08F8A2-5D56-258F-C098-F21C0ED1E671}"/>
+              </a:ext>
+            </a:extLst>
+          </p:cNvPr>
+          <p:cNvSpPr/>
+          <p:nvPr/>
+        </p:nvSpPr>
+        <p:spPr>
+          <a:xfrm>
+            <a:off x="8039100" y="4389120"/>
+            <a:ext cx="701040" cy="1333254"/>
+          </a:xfrm>
+          <a:prstGeom prst="rect">
+            <a:avLst/>
+          </a:prstGeom>
+          <a:noFill/>
+          <a:ln>
+            <a:prstDash val="sysDash"/>
+          </a:ln>
+        </p:spPr>
+        <p:style>
+          <a:lnRef idx="2">
+            <a:schemeClr val="accent1">
+              <a:shade val="15000"/>
+            </a:schemeClr>
+          </a:lnRef>
+          <a:fillRef idx="1">
+            <a:schemeClr val="accent1"/>
+          </a:fillRef>
+          <a:effectRef idx="0">
+            <a:schemeClr val="accent1"/>
+          </a:effectRef>
+          <a:fontRef idx="minor">
+            <a:schemeClr val="lt1"/>
+          </a:fontRef>
+        </p:style>
+        <p:txBody>
+          <a:bodyPr rtlCol="0" anchor="ctr"/>
+          <a:lstStyle/>
+          <a:p>
+            <a:pPr algn="ctr"/>
+            <a:endParaRPr lang="fr-FR"/>
+          </a:p>
+        </p:txBody>
+      </p:sp>
     </p:spTree>
     <p:extLst>
       <p:ext uri="{BB962C8B-B14F-4D97-AF65-F5344CB8AC3E}">
@@ -5183,8 +5483,8 @@
         </p:nvSpPr>
         <p:spPr>
           <a:xfrm>
-            <a:off x="8450580" y="3954780"/>
-            <a:ext cx="486943" cy="647700"/>
+            <a:off x="8504904" y="3954780"/>
+            <a:ext cx="432619" cy="647700"/>
           </a:xfrm>
           <a:prstGeom prst="rect">
             <a:avLst/>
@@ -5317,7 +5617,7 @@
         <p:spPr>
           <a:xfrm>
             <a:off x="6703902" y="2678713"/>
-            <a:ext cx="1746678" cy="1599917"/>
+            <a:ext cx="1801002" cy="1599917"/>
           </a:xfrm>
           <a:prstGeom prst="straightConnector1">
             <a:avLst/>
@@ -5341,6 +5641,56 @@
           </a:fontRef>
         </p:style>
       </p:cxnSp>
+      <p:sp>
+        <p:nvSpPr>
+          <p:cNvPr id="4" name="Rectangle 3">
+            <a:extLst>
+              <a:ext uri="{FF2B5EF4-FFF2-40B4-BE49-F238E27FC236}">
+                <a16:creationId xmlns:a16="http://schemas.microsoft.com/office/drawing/2014/main" id="{06515DBA-F3D5-7FBB-C34D-151F7F02D4DB}"/>
+              </a:ext>
+            </a:extLst>
+          </p:cNvPr>
+          <p:cNvSpPr/>
+          <p:nvPr/>
+        </p:nvSpPr>
+        <p:spPr>
+          <a:xfrm>
+            <a:off x="8504903" y="4602479"/>
+            <a:ext cx="432619" cy="952217"/>
+          </a:xfrm>
+          <a:prstGeom prst="rect">
+            <a:avLst/>
+          </a:prstGeom>
+          <a:noFill/>
+          <a:ln>
+            <a:prstDash val="sysDash"/>
+          </a:ln>
+        </p:spPr>
+        <p:style>
+          <a:lnRef idx="2">
+            <a:schemeClr val="accent1">
+              <a:shade val="15000"/>
+            </a:schemeClr>
+          </a:lnRef>
+          <a:fillRef idx="1">
+            <a:schemeClr val="accent1"/>
+          </a:fillRef>
+          <a:effectRef idx="0">
+            <a:schemeClr val="accent1"/>
+          </a:effectRef>
+          <a:fontRef idx="minor">
+            <a:schemeClr val="lt1"/>
+          </a:fontRef>
+        </p:style>
+        <p:txBody>
+          <a:bodyPr rtlCol="0" anchor="ctr"/>
+          <a:lstStyle/>
+          <a:p>
+            <a:pPr algn="ctr"/>
+            <a:endParaRPr lang="fr-FR"/>
+          </a:p>
+        </p:txBody>
+      </p:sp>
     </p:spTree>
     <p:extLst>
       <p:ext uri="{BB962C8B-B14F-4D97-AF65-F5344CB8AC3E}">
@@ -5678,15 +6028,6 @@
 </file>
 
 <file path=customXml/item2.xml><?xml version="1.0" encoding="utf-8"?>
-<?mso-contentType ?>
-<FormTemplates xmlns="http://schemas.microsoft.com/sharepoint/v3/contenttype/forms">
-  <Display>DocumentLibraryForm</Display>
-  <Edit>DocumentLibraryForm</Edit>
-  <New>DocumentLibraryForm</New>
-</FormTemplates>
-</file>
-
-<file path=customXml/item3.xml><?xml version="1.0" encoding="utf-8"?>
 <ct:contentTypeSchema xmlns:ct="http://schemas.microsoft.com/office/2006/metadata/contentType" xmlns:ma="http://schemas.microsoft.com/office/2006/metadata/properties/metaAttributes" ct:_="" ma:_="" ma:contentTypeName="Document" ma:contentTypeID="0x0101009A7A3254472B7743B56CB49630D01904" ma:contentTypeVersion="18" ma:contentTypeDescription="Create a new document." ma:contentTypeScope="" ma:versionID="d355c8ea8930efc2805aaeda55e7e5a1">
   <xsd:schema xmlns:xsd="http://www.w3.org/2001/XMLSchema" xmlns:xs="http://www.w3.org/2001/XMLSchema" xmlns:p="http://schemas.microsoft.com/office/2006/metadata/properties" xmlns:ns3="94f4b94a-9733-4c08-8763-b9647bde53ae" xmlns:ns4="21dbc7fe-5616-48b9-8043-76aecefb0866" targetNamespace="http://schemas.microsoft.com/office/2006/metadata/properties" ma:root="true" ma:fieldsID="a5f840d0f829f8facb8bfe99758464e9" ns3:_="" ns4:_="">
     <xsd:import namespace="94f4b94a-9733-4c08-8763-b9647bde53ae"/>
@@ -5939,6 +6280,15 @@
 </ct:contentTypeSchema>
 </file>
 
+<file path=customXml/item3.xml><?xml version="1.0" encoding="utf-8"?>
+<?mso-contentType ?>
+<FormTemplates xmlns="http://schemas.microsoft.com/sharepoint/v3/contenttype/forms">
+  <Display>DocumentLibraryForm</Display>
+  <Edit>DocumentLibraryForm</Edit>
+  <New>DocumentLibraryForm</New>
+</FormTemplates>
+</file>
+
 <file path=customXml/itemProps1.xml><?xml version="1.0" encoding="utf-8"?>
 <ds:datastoreItem xmlns:ds="http://schemas.openxmlformats.org/officeDocument/2006/customXml" ds:itemID="{02168FB4-0C26-483D-9512-A09BD179831E}">
   <ds:schemaRefs>
@@ -5957,14 +6307,6 @@
 </file>
 
 <file path=customXml/itemProps2.xml><?xml version="1.0" encoding="utf-8"?>
-<ds:datastoreItem xmlns:ds="http://schemas.openxmlformats.org/officeDocument/2006/customXml" ds:itemID="{F2EA840C-AAA3-4F76-B2FE-56543E7908CA}">
-  <ds:schemaRefs>
-    <ds:schemaRef ds:uri="http://schemas.microsoft.com/sharepoint/v3/contenttype/forms"/>
-  </ds:schemaRefs>
-</ds:datastoreItem>
-</file>
-
-<file path=customXml/itemProps3.xml><?xml version="1.0" encoding="utf-8"?>
 <ds:datastoreItem xmlns:ds="http://schemas.openxmlformats.org/officeDocument/2006/customXml" ds:itemID="{33DD71E0-59F7-4A1C-A3F8-F2535B02944F}">
   <ds:schemaRefs>
     <ds:schemaRef ds:uri="http://schemas.microsoft.com/office/2006/metadata/contentType"/>
@@ -5981,4 +6323,12 @@
     <ds:schemaRef ds:uri="http://schemas.microsoft.com/internal/obd"/>
   </ds:schemaRefs>
 </ds:datastoreItem>
+</file>
+
+<file path=customXml/itemProps3.xml><?xml version="1.0" encoding="utf-8"?>
+<ds:datastoreItem xmlns:ds="http://schemas.openxmlformats.org/officeDocument/2006/customXml" ds:itemID="{F2EA840C-AAA3-4F76-B2FE-56543E7908CA}">
+  <ds:schemaRefs>
+    <ds:schemaRef ds:uri="http://schemas.microsoft.com/sharepoint/v3/contenttype/forms"/>
+  </ds:schemaRefs>
+</ds:datastoreItem>
 </file>